--- a/PracticalRefactoring.pptx
+++ b/PracticalRefactoring.pptx
@@ -678,6 +678,9 @@
               <a:t>Don’t be eager to skip small and picky intermediate</a:t>
             </a:r>
           </a:p>
+          <a:p>
+            <a:endParaRPr lang="en-US" dirty="0"/>
+          </a:p>
         </p:txBody>
       </p:sp>
       <p:sp>
@@ -850,9 +853,32 @@
             <a:endParaRPr lang="en-US" dirty="0"/>
           </a:p>
           <a:p>
+            <a:pPr marL="171450" indent="-171450">
+              <a:buFontTx/>
+              <a:buChar char="-"/>
+            </a:pPr>
             <a:r>
               <a:rPr lang="en-US" dirty="0"/>
-              <a:t>- Do not plan with stakeholders; make it a part of the work</a:t>
+              <a:t>Do not plan with stakeholders; make it a part of the work</a:t>
+            </a:r>
+          </a:p>
+          <a:p>
+            <a:pPr marL="171450" indent="-171450">
+              <a:buFontTx/>
+              <a:buChar char="-"/>
+            </a:pPr>
+            <a:endParaRPr lang="en-US" dirty="0"/>
+          </a:p>
+          <a:p>
+            <a:endParaRPr lang="en-US" dirty="0"/>
+          </a:p>
+          <a:p>
+            <a:endParaRPr lang="en-US" dirty="0"/>
+          </a:p>
+          <a:p>
+            <a:r>
+              <a:rPr lang="en-US" dirty="0"/>
+              <a:t>Eagerly and relentlessly refactor new code—it will save you time, even right-away time.</a:t>
             </a:r>
           </a:p>
         </p:txBody>
@@ -939,11 +965,7 @@
           <a:p>
             <a:r>
               <a:rPr lang="en-US" dirty="0"/>
-              <a:t>Tool-assisted refactoring is not about </a:t>
-            </a:r>
-            <a:r>
-              <a:rPr lang="en-US"/>
-              <a:t>less typing</a:t>
+              <a:t>Tool-assisted refactoring is not about less typing</a:t>
             </a:r>
           </a:p>
         </p:txBody>
@@ -975,6 +997,90 @@
     <p:extLst>
       <p:ext uri="{BB962C8B-B14F-4D97-AF65-F5344CB8AC3E}">
         <p14:creationId xmlns:p14="http://schemas.microsoft.com/office/powerpoint/2010/main" val="4244894287"/>
+      </p:ext>
+    </p:extLst>
+  </p:cSld>
+  <p:clrMapOvr>
+    <a:masterClrMapping/>
+  </p:clrMapOvr>
+</p:notes>
+</file>
+
+<file path=ppt/notesSlides/notesSlide6.xml><?xml version="1.0" encoding="utf-8"?>
+<p:notes xmlns:a="http://schemas.openxmlformats.org/drawingml/2006/main" xmlns:r="http://schemas.openxmlformats.org/officeDocument/2006/relationships" xmlns:p="http://schemas.openxmlformats.org/presentationml/2006/main">
+  <p:cSld>
+    <p:spTree>
+      <p:nvGrpSpPr>
+        <p:cNvPr id="1" name=""/>
+        <p:cNvGrpSpPr/>
+        <p:nvPr/>
+      </p:nvGrpSpPr>
+      <p:grpSpPr>
+        <a:xfrm>
+          <a:off x="0" y="0"/>
+          <a:ext cx="0" cy="0"/>
+          <a:chOff x="0" y="0"/>
+          <a:chExt cx="0" cy="0"/>
+        </a:xfrm>
+      </p:grpSpPr>
+      <p:sp>
+        <p:nvSpPr>
+          <p:cNvPr id="2" name="Slide Image Placeholder 1"/>
+          <p:cNvSpPr>
+            <a:spLocks noGrp="1" noRot="1" noChangeAspect="1"/>
+          </p:cNvSpPr>
+          <p:nvPr>
+            <p:ph type="sldImg"/>
+          </p:nvPr>
+        </p:nvSpPr>
+        <p:spPr/>
+      </p:sp>
+      <p:sp>
+        <p:nvSpPr>
+          <p:cNvPr id="3" name="Notes Placeholder 2"/>
+          <p:cNvSpPr>
+            <a:spLocks noGrp="1"/>
+          </p:cNvSpPr>
+          <p:nvPr>
+            <p:ph type="body" idx="1"/>
+          </p:nvPr>
+        </p:nvSpPr>
+        <p:spPr/>
+        <p:txBody>
+          <a:bodyPr/>
+          <a:lstStyle/>
+          <a:p>
+            <a:endParaRPr lang="en-US" dirty="0"/>
+          </a:p>
+        </p:txBody>
+      </p:sp>
+      <p:sp>
+        <p:nvSpPr>
+          <p:cNvPr id="4" name="Slide Number Placeholder 3"/>
+          <p:cNvSpPr>
+            <a:spLocks noGrp="1"/>
+          </p:cNvSpPr>
+          <p:nvPr>
+            <p:ph type="sldNum" sz="quarter" idx="5"/>
+          </p:nvPr>
+        </p:nvSpPr>
+        <p:spPr/>
+        <p:txBody>
+          <a:bodyPr/>
+          <a:lstStyle/>
+          <a:p>
+            <a:fld id="{98E7458D-A4C5-47E1-AED0-92A55BE669C0}" type="slidenum">
+              <a:rPr lang="en-US" smtClean="0"/>
+              <a:t>9</a:t>
+            </a:fld>
+            <a:endParaRPr lang="en-US"/>
+          </a:p>
+        </p:txBody>
+      </p:sp>
+    </p:spTree>
+    <p:extLst>
+      <p:ext uri="{BB962C8B-B14F-4D97-AF65-F5344CB8AC3E}">
+        <p14:creationId xmlns:p14="http://schemas.microsoft.com/office/powerpoint/2010/main" val="3152304061"/>
       </p:ext>
     </p:extLst>
   </p:cSld>
@@ -7626,7 +7732,7 @@
         </p:nvSpPr>
         <p:spPr>
           <a:xfrm>
-            <a:off x="1986455" y="764373"/>
+            <a:off x="2384388" y="510352"/>
             <a:ext cx="9519745" cy="1293028"/>
           </a:xfrm>
         </p:spPr>
@@ -7667,44 +7773,43 @@
         </p:nvSpPr>
         <p:spPr>
           <a:xfrm>
-            <a:off x="685800" y="1913468"/>
-            <a:ext cx="10820400" cy="4305218"/>
+            <a:off x="287866" y="1712379"/>
+            <a:ext cx="11616267" cy="4707465"/>
           </a:xfrm>
         </p:spPr>
         <p:txBody>
           <a:bodyPr numCol="2">
-            <a:normAutofit lnSpcReduction="10000"/>
+            <a:noAutofit/>
           </a:bodyPr>
           <a:lstStyle/>
           <a:p>
-            <a:r>
-              <a:rPr lang="en-US" dirty="0"/>
+            <a:pPr marL="0" indent="0">
+              <a:buNone/>
+            </a:pPr>
+            <a:r>
+              <a:rPr lang="en-US" b="1" dirty="0"/>
               <a:t>Tool-assisted:</a:t>
             </a:r>
           </a:p>
           <a:p>
-            <a:pPr lvl="1"/>
             <a:r>
               <a:rPr lang="en-US" dirty="0"/>
               <a:t>Rename</a:t>
             </a:r>
           </a:p>
           <a:p>
-            <a:pPr lvl="1"/>
             <a:r>
               <a:rPr lang="en-US" dirty="0"/>
               <a:t>Extract method</a:t>
             </a:r>
           </a:p>
           <a:p>
-            <a:pPr lvl="1"/>
             <a:r>
               <a:rPr lang="en-US" dirty="0"/>
               <a:t>Move</a:t>
             </a:r>
           </a:p>
           <a:p>
-            <a:pPr lvl="1"/>
             <a:r>
               <a:rPr lang="en-US" dirty="0"/>
               <a:t>Remove unused </a:t>
@@ -7716,28 +7821,24 @@
             <a:endParaRPr lang="en-US" dirty="0"/>
           </a:p>
           <a:p>
-            <a:pPr lvl="1"/>
             <a:r>
               <a:rPr lang="en-US" dirty="0"/>
-              <a:t>Reduce nesting: Invert if, Combine singly-nested Ifs</a:t>
-            </a:r>
-          </a:p>
-          <a:p>
-            <a:pPr lvl="1"/>
+              <a:t>Reduce nesting: Invert if; combine singly-nested Ifs; </a:t>
+            </a:r>
+          </a:p>
+          <a:p>
             <a:r>
               <a:rPr lang="en-US" dirty="0"/>
               <a:t>Extract interface</a:t>
             </a:r>
           </a:p>
           <a:p>
-            <a:pPr lvl="1"/>
             <a:r>
               <a:rPr lang="en-US" dirty="0"/>
               <a:t>Restrict access modifiers</a:t>
             </a:r>
           </a:p>
           <a:p>
-            <a:pPr lvl="1"/>
             <a:r>
               <a:rPr lang="en-US" dirty="0"/>
               <a:t>Code against </a:t>
@@ -7748,17 +7849,38 @@
             </a:r>
             <a:r>
               <a:rPr lang="en-US" dirty="0"/>
-              <a:t> members then generate </a:t>
-            </a:r>
-          </a:p>
-          <a:p>
-            <a:r>
+              <a:t> members </a:t>
+            </a:r>
+            <a:br>
               <a:rPr lang="en-US" dirty="0"/>
-              <a:t>Manual</a:t>
-            </a:r>
-          </a:p>
-          <a:p>
-            <a:pPr lvl="1"/>
+            </a:br>
+            <a:r>
+              <a:rPr lang="en-US" dirty="0"/>
+              <a:t>then generate </a:t>
+            </a:r>
+          </a:p>
+          <a:p>
+            <a:endParaRPr lang="en-US" dirty="0"/>
+          </a:p>
+          <a:p>
+            <a:endParaRPr lang="en-US" dirty="0"/>
+          </a:p>
+          <a:p>
+            <a:endParaRPr lang="en-US" dirty="0"/>
+          </a:p>
+          <a:p>
+            <a:endParaRPr lang="en-US" dirty="0"/>
+          </a:p>
+          <a:p>
+            <a:pPr marL="0" indent="0">
+              <a:buNone/>
+            </a:pPr>
+            <a:r>
+              <a:rPr lang="en-US" b="1" dirty="0"/>
+              <a:t>Manual:</a:t>
+            </a:r>
+          </a:p>
+          <a:p>
             <a:r>
               <a:rPr lang="en-US" dirty="0"/>
               <a:t>Simplify </a:t>
@@ -7773,42 +7895,36 @@
             </a:r>
           </a:p>
           <a:p>
-            <a:pPr lvl="1"/>
             <a:r>
               <a:rPr lang="en-US" dirty="0"/>
               <a:t>Early return</a:t>
             </a:r>
           </a:p>
           <a:p>
-            <a:pPr lvl="1"/>
             <a:r>
               <a:rPr lang="en-US" dirty="0"/>
               <a:t>Reduce newline usage</a:t>
             </a:r>
           </a:p>
           <a:p>
-            <a:pPr lvl="1"/>
             <a:r>
               <a:rPr lang="en-US" dirty="0"/>
               <a:t>Convert If-else to ternary</a:t>
             </a:r>
           </a:p>
           <a:p>
-            <a:pPr lvl="1"/>
             <a:r>
               <a:rPr lang="en-US" dirty="0"/>
               <a:t>Eliminate/simplify loops with LINQ</a:t>
             </a:r>
           </a:p>
           <a:p>
-            <a:pPr lvl="1"/>
             <a:r>
               <a:rPr lang="en-US" dirty="0"/>
               <a:t>Iterate instead of repeat code (try lambdas or private classes)</a:t>
             </a:r>
           </a:p>
           <a:p>
-            <a:pPr lvl="1"/>
             <a:r>
               <a:rPr lang="en-US" dirty="0"/>
               <a:t>Replace Start/Stop methods with an </a:t>
@@ -7820,7 +7936,6 @@
             <a:endParaRPr lang="en-US" dirty="0"/>
           </a:p>
           <a:p>
-            <a:pPr lvl="1"/>
             <a:r>
               <a:rPr lang="en-US" dirty="0"/>
               <a:t>6 steps to add dependency injection </a:t>
@@ -7828,17 +7943,17 @@
           </a:p>
           <a:p>
             <a:pPr lvl="1"/>
-            <a:endParaRPr lang="en-US" dirty="0"/>
+            <a:endParaRPr lang="en-US" sz="2200" dirty="0"/>
           </a:p>
           <a:p>
             <a:pPr marL="457200" lvl="1" indent="0">
               <a:buNone/>
             </a:pPr>
-            <a:endParaRPr lang="en-US" dirty="0"/>
+            <a:endParaRPr lang="en-US" sz="2200" dirty="0"/>
           </a:p>
           <a:p>
             <a:pPr lvl="1"/>
-            <a:endParaRPr lang="en-US" dirty="0"/>
+            <a:endParaRPr lang="en-US" sz="2200" dirty="0"/>
           </a:p>
           <a:p>
             <a:endParaRPr lang="en-US" dirty="0"/>
@@ -7861,7 +7976,7 @@
         </p:nvSpPr>
         <p:spPr>
           <a:xfrm>
-            <a:off x="1422400" y="6419844"/>
+            <a:off x="1422399" y="6315892"/>
             <a:ext cx="9347200" cy="876311"/>
           </a:xfrm>
           <a:prstGeom prst="rect">
@@ -8041,15 +8156,36 @@
               <a:buNone/>
             </a:pPr>
             <a:r>
-              <a:rPr lang="en-US" dirty="0"/>
+              <a:rPr lang="en-US" b="1" dirty="0">
+                <a:solidFill>
+                  <a:schemeClr val="accent3">
+                    <a:lumMod val="40000"/>
+                    <a:lumOff val="60000"/>
+                  </a:schemeClr>
+                </a:solidFill>
+              </a:rPr>
               <a:t>Patrick Szalapski | @</a:t>
             </a:r>
             <a:r>
-              <a:rPr lang="en-US" dirty="0" err="1"/>
+              <a:rPr lang="en-US" b="1" dirty="0" err="1">
+                <a:solidFill>
+                  <a:schemeClr val="accent3">
+                    <a:lumMod val="40000"/>
+                    <a:lumOff val="60000"/>
+                  </a:schemeClr>
+                </a:solidFill>
+              </a:rPr>
               <a:t>szalapski</a:t>
             </a:r>
             <a:r>
-              <a:rPr lang="en-US" dirty="0"/>
+              <a:rPr lang="en-US" b="1" dirty="0">
+                <a:solidFill>
+                  <a:schemeClr val="accent3">
+                    <a:lumMod val="40000"/>
+                    <a:lumOff val="60000"/>
+                  </a:schemeClr>
+                </a:solidFill>
+              </a:rPr>
               <a:t> | szalapski.com</a:t>
             </a:r>
           </a:p>

--- a/PracticalRefactoring.pptx
+++ b/PracticalRefactoring.pptx
@@ -5,18 +5,24 @@
     <p:sldMasterId id="2147483648" r:id="rId1"/>
   </p:sldMasterIdLst>
   <p:notesMasterIdLst>
-    <p:notesMasterId r:id="rId11"/>
+    <p:notesMasterId r:id="rId17"/>
   </p:notesMasterIdLst>
   <p:sldIdLst>
-    <p:sldId id="256" r:id="rId2"/>
-    <p:sldId id="257" r:id="rId3"/>
-    <p:sldId id="259" r:id="rId4"/>
-    <p:sldId id="260" r:id="rId5"/>
-    <p:sldId id="261" r:id="rId6"/>
-    <p:sldId id="264" r:id="rId7"/>
-    <p:sldId id="258" r:id="rId8"/>
-    <p:sldId id="263" r:id="rId9"/>
-    <p:sldId id="262" r:id="rId10"/>
+    <p:sldId id="265" r:id="rId2"/>
+    <p:sldId id="266" r:id="rId3"/>
+    <p:sldId id="267" r:id="rId4"/>
+    <p:sldId id="268" r:id="rId5"/>
+    <p:sldId id="269" r:id="rId6"/>
+    <p:sldId id="270" r:id="rId7"/>
+    <p:sldId id="256" r:id="rId8"/>
+    <p:sldId id="257" r:id="rId9"/>
+    <p:sldId id="259" r:id="rId10"/>
+    <p:sldId id="260" r:id="rId11"/>
+    <p:sldId id="261" r:id="rId12"/>
+    <p:sldId id="264" r:id="rId13"/>
+    <p:sldId id="258" r:id="rId14"/>
+    <p:sldId id="263" r:id="rId15"/>
+    <p:sldId id="262" r:id="rId16"/>
   </p:sldIdLst>
   <p:sldSz cx="12192000" cy="6858000"/>
   <p:notesSz cx="6858000" cy="9144000"/>
@@ -208,7 +214,7 @@
           <a:p>
             <a:fld id="{B0A5C299-FE50-42DD-A2AC-4285A1871B59}" type="datetimeFigureOut">
               <a:rPr lang="en-US" smtClean="0"/>
-              <a:t>2/3/2020</a:t>
+              <a:t>2/6/2020</a:t>
             </a:fld>
             <a:endParaRPr lang="en-US"/>
           </a:p>
@@ -519,85 +525,7 @@
           <a:bodyPr/>
           <a:lstStyle/>
           <a:p>
-            <a:r>
-              <a:rPr lang="en-US" sz="1200" b="0" kern="1200" dirty="0">
-                <a:solidFill>
-                  <a:schemeClr val="tx1"/>
-                </a:solidFill>
-                <a:effectLst/>
-                <a:latin typeface="+mn-lt"/>
-                <a:ea typeface="+mn-ea"/>
-                <a:cs typeface="+mn-cs"/>
-              </a:rPr>
-              <a:t>    - Easier to read, harder to misread</a:t>
-            </a:r>
-          </a:p>
-          <a:p>
-            <a:r>
-              <a:rPr lang="en-US" sz="1200" b="0" kern="1200" dirty="0">
-                <a:solidFill>
-                  <a:schemeClr val="tx1"/>
-                </a:solidFill>
-                <a:effectLst/>
-                <a:latin typeface="+mn-lt"/>
-                <a:ea typeface="+mn-ea"/>
-                <a:cs typeface="+mn-cs"/>
-              </a:rPr>
-              <a:t>    - Easier to enhance</a:t>
-            </a:r>
-          </a:p>
-          <a:p>
-            <a:r>
-              <a:rPr lang="en-US" sz="1200" b="0" kern="1200" dirty="0">
-                <a:solidFill>
-                  <a:schemeClr val="tx1"/>
-                </a:solidFill>
-                <a:effectLst/>
-                <a:latin typeface="+mn-lt"/>
-                <a:ea typeface="+mn-ea"/>
-                <a:cs typeface="+mn-cs"/>
-              </a:rPr>
-              <a:t>    - Easier to find further opportunities for further or broader refactoring</a:t>
-            </a:r>
-          </a:p>
-          <a:p>
-            <a:endParaRPr lang="en-US" sz="1200" b="0" kern="1200" dirty="0">
-              <a:solidFill>
-                <a:schemeClr val="tx1"/>
-              </a:solidFill>
-              <a:effectLst/>
-              <a:latin typeface="+mn-lt"/>
-              <a:ea typeface="+mn-ea"/>
-              <a:cs typeface="+mn-cs"/>
-            </a:endParaRPr>
-          </a:p>
-          <a:p>
-            <a:r>
-              <a:rPr lang="en-US" sz="1200" b="0" kern="1200" dirty="0">
-                <a:solidFill>
-                  <a:schemeClr val="tx1"/>
-                </a:solidFill>
-                <a:effectLst/>
-                <a:latin typeface="+mn-lt"/>
-                <a:ea typeface="+mn-ea"/>
-                <a:cs typeface="+mn-cs"/>
-              </a:rPr>
-              <a:t>  2. Find bugs</a:t>
-            </a:r>
-          </a:p>
-          <a:p>
-            <a:r>
-              <a:rPr lang="en-US" sz="1200" b="0" kern="1200" dirty="0">
-                <a:solidFill>
-                  <a:schemeClr val="tx1"/>
-                </a:solidFill>
-                <a:effectLst/>
-                <a:latin typeface="+mn-lt"/>
-                <a:ea typeface="+mn-ea"/>
-                <a:cs typeface="+mn-cs"/>
-              </a:rPr>
-              <a:t>  2. Make code testable</a:t>
-            </a:r>
+            <a:endParaRPr lang="en-US" dirty="0"/>
           </a:p>
         </p:txBody>
       </p:sp>
@@ -618,7 +546,7 @@
           <a:p>
             <a:fld id="{98E7458D-A4C5-47E1-AED0-92A55BE669C0}" type="slidenum">
               <a:rPr lang="en-US" smtClean="0"/>
-              <a:t>3</a:t>
+              <a:t>4</a:t>
             </a:fld>
             <a:endParaRPr lang="en-US"/>
           </a:p>
@@ -627,7 +555,7 @@
     </p:spTree>
     <p:extLst>
       <p:ext uri="{BB962C8B-B14F-4D97-AF65-F5344CB8AC3E}">
-        <p14:creationId xmlns:p14="http://schemas.microsoft.com/office/powerpoint/2010/main" val="2461306780"/>
+        <p14:creationId xmlns:p14="http://schemas.microsoft.com/office/powerpoint/2010/main" val="2111626503"/>
       </p:ext>
     </p:extLst>
   </p:cSld>
@@ -681,12 +609,6 @@
           <a:bodyPr/>
           <a:lstStyle/>
           <a:p>
-            <a:r>
-              <a:rPr lang="en-US" dirty="0"/>
-              <a:t>Don’t be eager to skip small and picky intermediate</a:t>
-            </a:r>
-          </a:p>
-          <a:p>
             <a:endParaRPr lang="en-US" dirty="0"/>
           </a:p>
         </p:txBody>
@@ -708,7 +630,7 @@
           <a:p>
             <a:fld id="{98E7458D-A4C5-47E1-AED0-92A55BE669C0}" type="slidenum">
               <a:rPr lang="en-US" smtClean="0"/>
-              <a:t>4</a:t>
+              <a:t>5</a:t>
             </a:fld>
             <a:endParaRPr lang="en-US"/>
           </a:p>
@@ -717,7 +639,7 @@
     </p:spTree>
     <p:extLst>
       <p:ext uri="{BB962C8B-B14F-4D97-AF65-F5344CB8AC3E}">
-        <p14:creationId xmlns:p14="http://schemas.microsoft.com/office/powerpoint/2010/main" val="2764884835"/>
+        <p14:creationId xmlns:p14="http://schemas.microsoft.com/office/powerpoint/2010/main" val="612091742"/>
       </p:ext>
     </p:extLst>
   </p:cSld>
@@ -771,10 +693,7 @@
           <a:bodyPr/>
           <a:lstStyle/>
           <a:p>
-            <a:r>
-              <a:rPr lang="en-US" dirty="0"/>
-              <a:t>Refactoring is not something to explain and plan.  Refactoring</a:t>
-            </a:r>
+            <a:endParaRPr lang="en-US" dirty="0"/>
           </a:p>
         </p:txBody>
       </p:sp>
@@ -795,7 +714,7 @@
           <a:p>
             <a:fld id="{98E7458D-A4C5-47E1-AED0-92A55BE669C0}" type="slidenum">
               <a:rPr lang="en-US" smtClean="0"/>
-              <a:t>5</a:t>
+              <a:t>6</a:t>
             </a:fld>
             <a:endParaRPr lang="en-US"/>
           </a:p>
@@ -804,7 +723,7 @@
     </p:spTree>
     <p:extLst>
       <p:ext uri="{BB962C8B-B14F-4D97-AF65-F5344CB8AC3E}">
-        <p14:creationId xmlns:p14="http://schemas.microsoft.com/office/powerpoint/2010/main" val="1831187360"/>
+        <p14:creationId xmlns:p14="http://schemas.microsoft.com/office/powerpoint/2010/main" val="2981674733"/>
       </p:ext>
     </p:extLst>
   </p:cSld>
@@ -858,35 +777,84 @@
           <a:bodyPr/>
           <a:lstStyle/>
           <a:p>
-            <a:endParaRPr lang="en-US" dirty="0"/>
-          </a:p>
-          <a:p>
-            <a:pPr marL="171450" indent="-171450">
-              <a:buFontTx/>
-              <a:buChar char="-"/>
-            </a:pPr>
-            <a:r>
-              <a:rPr lang="en-US" dirty="0"/>
-              <a:t>Do not plan with stakeholders; make it a part of the work</a:t>
-            </a:r>
-          </a:p>
-          <a:p>
-            <a:pPr marL="171450" indent="-171450">
-              <a:buFontTx/>
-              <a:buChar char="-"/>
-            </a:pPr>
-            <a:endParaRPr lang="en-US" dirty="0"/>
-          </a:p>
-          <a:p>
-            <a:endParaRPr lang="en-US" dirty="0"/>
-          </a:p>
-          <a:p>
-            <a:endParaRPr lang="en-US" dirty="0"/>
-          </a:p>
-          <a:p>
-            <a:r>
-              <a:rPr lang="en-US" dirty="0"/>
-              <a:t>Eagerly and relentlessly refactor new code—it will save you time, even right-away time.</a:t>
+            <a:r>
+              <a:rPr lang="en-US" sz="1200" b="0" kern="1200" dirty="0">
+                <a:solidFill>
+                  <a:schemeClr val="tx1"/>
+                </a:solidFill>
+                <a:effectLst/>
+                <a:latin typeface="+mn-lt"/>
+                <a:ea typeface="+mn-ea"/>
+                <a:cs typeface="+mn-cs"/>
+              </a:rPr>
+              <a:t>    - Easier to read, harder to misread</a:t>
+            </a:r>
+          </a:p>
+          <a:p>
+            <a:r>
+              <a:rPr lang="en-US" sz="1200" b="0" kern="1200" dirty="0">
+                <a:solidFill>
+                  <a:schemeClr val="tx1"/>
+                </a:solidFill>
+                <a:effectLst/>
+                <a:latin typeface="+mn-lt"/>
+                <a:ea typeface="+mn-ea"/>
+                <a:cs typeface="+mn-cs"/>
+              </a:rPr>
+              <a:t>    - Easier to enhance</a:t>
+            </a:r>
+          </a:p>
+          <a:p>
+            <a:r>
+              <a:rPr lang="en-US" sz="1200" b="0" kern="1200" dirty="0">
+                <a:solidFill>
+                  <a:schemeClr val="tx1"/>
+                </a:solidFill>
+                <a:effectLst/>
+                <a:latin typeface="+mn-lt"/>
+                <a:ea typeface="+mn-ea"/>
+                <a:cs typeface="+mn-cs"/>
+              </a:rPr>
+              <a:t>    - Easier to find further opportunities for further or broader refactoring</a:t>
+            </a:r>
+          </a:p>
+          <a:p>
+            <a:endParaRPr lang="en-US" sz="1200" b="0" kern="1200" dirty="0">
+              <a:solidFill>
+                <a:schemeClr val="tx1"/>
+              </a:solidFill>
+              <a:effectLst/>
+              <a:latin typeface="+mn-lt"/>
+              <a:ea typeface="+mn-ea"/>
+              <a:cs typeface="+mn-cs"/>
+            </a:endParaRPr>
+          </a:p>
+          <a:p>
+            <a:r>
+              <a:rPr lang="en-US" sz="1200" b="0" kern="1200" dirty="0">
+                <a:solidFill>
+                  <a:schemeClr val="tx1"/>
+                </a:solidFill>
+                <a:effectLst/>
+                <a:latin typeface="+mn-lt"/>
+                <a:ea typeface="+mn-ea"/>
+                <a:cs typeface="+mn-cs"/>
+              </a:rPr>
+              <a:t>  2. Find bugs</a:t>
+            </a:r>
+          </a:p>
+          <a:p>
+            <a:r>
+              <a:rPr lang="en-US" sz="1200" b="0" kern="1200" dirty="0">
+                <a:solidFill>
+                  <a:schemeClr val="tx1"/>
+                </a:solidFill>
+                <a:effectLst/>
+                <a:latin typeface="+mn-lt"/>
+                <a:ea typeface="+mn-ea"/>
+                <a:cs typeface="+mn-cs"/>
+              </a:rPr>
+              <a:t>  2. Make code testable</a:t>
             </a:r>
           </a:p>
         </p:txBody>
@@ -908,7 +876,7 @@
           <a:p>
             <a:fld id="{98E7458D-A4C5-47E1-AED0-92A55BE669C0}" type="slidenum">
               <a:rPr lang="en-US" smtClean="0"/>
-              <a:t>6</a:t>
+              <a:t>9</a:t>
             </a:fld>
             <a:endParaRPr lang="en-US"/>
           </a:p>
@@ -917,7 +885,7 @@
     </p:spTree>
     <p:extLst>
       <p:ext uri="{BB962C8B-B14F-4D97-AF65-F5344CB8AC3E}">
-        <p14:creationId xmlns:p14="http://schemas.microsoft.com/office/powerpoint/2010/main" val="3617444813"/>
+        <p14:creationId xmlns:p14="http://schemas.microsoft.com/office/powerpoint/2010/main" val="2461306780"/>
       </p:ext>
     </p:extLst>
   </p:cSld>
@@ -973,8 +941,11 @@
           <a:p>
             <a:r>
               <a:rPr lang="en-US" dirty="0"/>
-              <a:t>Tool-assisted refactoring is not about less typing</a:t>
-            </a:r>
+              <a:t>Don’t be eager to skip small and picky intermediate</a:t>
+            </a:r>
+          </a:p>
+          <a:p>
+            <a:endParaRPr lang="en-US" dirty="0"/>
           </a:p>
         </p:txBody>
       </p:sp>
@@ -995,7 +966,7 @@
           <a:p>
             <a:fld id="{98E7458D-A4C5-47E1-AED0-92A55BE669C0}" type="slidenum">
               <a:rPr lang="en-US" smtClean="0"/>
-              <a:t>8</a:t>
+              <a:t>10</a:t>
             </a:fld>
             <a:endParaRPr lang="en-US"/>
           </a:p>
@@ -1004,7 +975,7 @@
     </p:spTree>
     <p:extLst>
       <p:ext uri="{BB962C8B-B14F-4D97-AF65-F5344CB8AC3E}">
-        <p14:creationId xmlns:p14="http://schemas.microsoft.com/office/powerpoint/2010/main" val="4244894287"/>
+        <p14:creationId xmlns:p14="http://schemas.microsoft.com/office/powerpoint/2010/main" val="2764884835"/>
       </p:ext>
     </p:extLst>
   </p:cSld>
@@ -1058,7 +1029,10 @@
           <a:bodyPr/>
           <a:lstStyle/>
           <a:p>
-            <a:endParaRPr lang="en-US" dirty="0"/>
+            <a:r>
+              <a:rPr lang="en-US" dirty="0"/>
+              <a:t>Refactoring is not something to explain and plan.  Refactoring</a:t>
+            </a:r>
           </a:p>
         </p:txBody>
       </p:sp>
@@ -1079,7 +1053,291 @@
           <a:p>
             <a:fld id="{98E7458D-A4C5-47E1-AED0-92A55BE669C0}" type="slidenum">
               <a:rPr lang="en-US" smtClean="0"/>
-              <a:t>9</a:t>
+              <a:t>11</a:t>
+            </a:fld>
+            <a:endParaRPr lang="en-US"/>
+          </a:p>
+        </p:txBody>
+      </p:sp>
+    </p:spTree>
+    <p:extLst>
+      <p:ext uri="{BB962C8B-B14F-4D97-AF65-F5344CB8AC3E}">
+        <p14:creationId xmlns:p14="http://schemas.microsoft.com/office/powerpoint/2010/main" val="1831187360"/>
+      </p:ext>
+    </p:extLst>
+  </p:cSld>
+  <p:clrMapOvr>
+    <a:masterClrMapping/>
+  </p:clrMapOvr>
+</p:notes>
+</file>
+
+<file path=ppt/notesSlides/notesSlide7.xml><?xml version="1.0" encoding="utf-8"?>
+<p:notes xmlns:a="http://schemas.openxmlformats.org/drawingml/2006/main" xmlns:r="http://schemas.openxmlformats.org/officeDocument/2006/relationships" xmlns:p="http://schemas.openxmlformats.org/presentationml/2006/main">
+  <p:cSld>
+    <p:spTree>
+      <p:nvGrpSpPr>
+        <p:cNvPr id="1" name=""/>
+        <p:cNvGrpSpPr/>
+        <p:nvPr/>
+      </p:nvGrpSpPr>
+      <p:grpSpPr>
+        <a:xfrm>
+          <a:off x="0" y="0"/>
+          <a:ext cx="0" cy="0"/>
+          <a:chOff x="0" y="0"/>
+          <a:chExt cx="0" cy="0"/>
+        </a:xfrm>
+      </p:grpSpPr>
+      <p:sp>
+        <p:nvSpPr>
+          <p:cNvPr id="2" name="Slide Image Placeholder 1"/>
+          <p:cNvSpPr>
+            <a:spLocks noGrp="1" noRot="1" noChangeAspect="1"/>
+          </p:cNvSpPr>
+          <p:nvPr>
+            <p:ph type="sldImg"/>
+          </p:nvPr>
+        </p:nvSpPr>
+        <p:spPr/>
+      </p:sp>
+      <p:sp>
+        <p:nvSpPr>
+          <p:cNvPr id="3" name="Notes Placeholder 2"/>
+          <p:cNvSpPr>
+            <a:spLocks noGrp="1"/>
+          </p:cNvSpPr>
+          <p:nvPr>
+            <p:ph type="body" idx="1"/>
+          </p:nvPr>
+        </p:nvSpPr>
+        <p:spPr/>
+        <p:txBody>
+          <a:bodyPr/>
+          <a:lstStyle/>
+          <a:p>
+            <a:endParaRPr lang="en-US" dirty="0"/>
+          </a:p>
+          <a:p>
+            <a:pPr marL="171450" indent="-171450">
+              <a:buFontTx/>
+              <a:buChar char="-"/>
+            </a:pPr>
+            <a:r>
+              <a:rPr lang="en-US" dirty="0"/>
+              <a:t>Do not plan with stakeholders; make it a part of the work</a:t>
+            </a:r>
+          </a:p>
+          <a:p>
+            <a:pPr marL="171450" indent="-171450">
+              <a:buFontTx/>
+              <a:buChar char="-"/>
+            </a:pPr>
+            <a:endParaRPr lang="en-US" dirty="0"/>
+          </a:p>
+          <a:p>
+            <a:endParaRPr lang="en-US" dirty="0"/>
+          </a:p>
+          <a:p>
+            <a:endParaRPr lang="en-US" dirty="0"/>
+          </a:p>
+          <a:p>
+            <a:r>
+              <a:rPr lang="en-US" dirty="0"/>
+              <a:t>Eagerly and relentlessly refactor new code—it will save you time, even right-away time.</a:t>
+            </a:r>
+          </a:p>
+        </p:txBody>
+      </p:sp>
+      <p:sp>
+        <p:nvSpPr>
+          <p:cNvPr id="4" name="Slide Number Placeholder 3"/>
+          <p:cNvSpPr>
+            <a:spLocks noGrp="1"/>
+          </p:cNvSpPr>
+          <p:nvPr>
+            <p:ph type="sldNum" sz="quarter" idx="5"/>
+          </p:nvPr>
+        </p:nvSpPr>
+        <p:spPr/>
+        <p:txBody>
+          <a:bodyPr/>
+          <a:lstStyle/>
+          <a:p>
+            <a:fld id="{98E7458D-A4C5-47E1-AED0-92A55BE669C0}" type="slidenum">
+              <a:rPr lang="en-US" smtClean="0"/>
+              <a:t>12</a:t>
+            </a:fld>
+            <a:endParaRPr lang="en-US"/>
+          </a:p>
+        </p:txBody>
+      </p:sp>
+    </p:spTree>
+    <p:extLst>
+      <p:ext uri="{BB962C8B-B14F-4D97-AF65-F5344CB8AC3E}">
+        <p14:creationId xmlns:p14="http://schemas.microsoft.com/office/powerpoint/2010/main" val="3617444813"/>
+      </p:ext>
+    </p:extLst>
+  </p:cSld>
+  <p:clrMapOvr>
+    <a:masterClrMapping/>
+  </p:clrMapOvr>
+</p:notes>
+</file>
+
+<file path=ppt/notesSlides/notesSlide8.xml><?xml version="1.0" encoding="utf-8"?>
+<p:notes xmlns:a="http://schemas.openxmlformats.org/drawingml/2006/main" xmlns:r="http://schemas.openxmlformats.org/officeDocument/2006/relationships" xmlns:p="http://schemas.openxmlformats.org/presentationml/2006/main">
+  <p:cSld>
+    <p:spTree>
+      <p:nvGrpSpPr>
+        <p:cNvPr id="1" name=""/>
+        <p:cNvGrpSpPr/>
+        <p:nvPr/>
+      </p:nvGrpSpPr>
+      <p:grpSpPr>
+        <a:xfrm>
+          <a:off x="0" y="0"/>
+          <a:ext cx="0" cy="0"/>
+          <a:chOff x="0" y="0"/>
+          <a:chExt cx="0" cy="0"/>
+        </a:xfrm>
+      </p:grpSpPr>
+      <p:sp>
+        <p:nvSpPr>
+          <p:cNvPr id="2" name="Slide Image Placeholder 1"/>
+          <p:cNvSpPr>
+            <a:spLocks noGrp="1" noRot="1" noChangeAspect="1"/>
+          </p:cNvSpPr>
+          <p:nvPr>
+            <p:ph type="sldImg"/>
+          </p:nvPr>
+        </p:nvSpPr>
+        <p:spPr/>
+      </p:sp>
+      <p:sp>
+        <p:nvSpPr>
+          <p:cNvPr id="3" name="Notes Placeholder 2"/>
+          <p:cNvSpPr>
+            <a:spLocks noGrp="1"/>
+          </p:cNvSpPr>
+          <p:nvPr>
+            <p:ph type="body" idx="1"/>
+          </p:nvPr>
+        </p:nvSpPr>
+        <p:spPr/>
+        <p:txBody>
+          <a:bodyPr/>
+          <a:lstStyle/>
+          <a:p>
+            <a:r>
+              <a:rPr lang="en-US" dirty="0"/>
+              <a:t>Tool-assisted refactoring is not about less typing</a:t>
+            </a:r>
+          </a:p>
+        </p:txBody>
+      </p:sp>
+      <p:sp>
+        <p:nvSpPr>
+          <p:cNvPr id="4" name="Slide Number Placeholder 3"/>
+          <p:cNvSpPr>
+            <a:spLocks noGrp="1"/>
+          </p:cNvSpPr>
+          <p:nvPr>
+            <p:ph type="sldNum" sz="quarter" idx="5"/>
+          </p:nvPr>
+        </p:nvSpPr>
+        <p:spPr/>
+        <p:txBody>
+          <a:bodyPr/>
+          <a:lstStyle/>
+          <a:p>
+            <a:fld id="{98E7458D-A4C5-47E1-AED0-92A55BE669C0}" type="slidenum">
+              <a:rPr lang="en-US" smtClean="0"/>
+              <a:t>14</a:t>
+            </a:fld>
+            <a:endParaRPr lang="en-US"/>
+          </a:p>
+        </p:txBody>
+      </p:sp>
+    </p:spTree>
+    <p:extLst>
+      <p:ext uri="{BB962C8B-B14F-4D97-AF65-F5344CB8AC3E}">
+        <p14:creationId xmlns:p14="http://schemas.microsoft.com/office/powerpoint/2010/main" val="4244894287"/>
+      </p:ext>
+    </p:extLst>
+  </p:cSld>
+  <p:clrMapOvr>
+    <a:masterClrMapping/>
+  </p:clrMapOvr>
+</p:notes>
+</file>
+
+<file path=ppt/notesSlides/notesSlide9.xml><?xml version="1.0" encoding="utf-8"?>
+<p:notes xmlns:a="http://schemas.openxmlformats.org/drawingml/2006/main" xmlns:r="http://schemas.openxmlformats.org/officeDocument/2006/relationships" xmlns:p="http://schemas.openxmlformats.org/presentationml/2006/main">
+  <p:cSld>
+    <p:spTree>
+      <p:nvGrpSpPr>
+        <p:cNvPr id="1" name=""/>
+        <p:cNvGrpSpPr/>
+        <p:nvPr/>
+      </p:nvGrpSpPr>
+      <p:grpSpPr>
+        <a:xfrm>
+          <a:off x="0" y="0"/>
+          <a:ext cx="0" cy="0"/>
+          <a:chOff x="0" y="0"/>
+          <a:chExt cx="0" cy="0"/>
+        </a:xfrm>
+      </p:grpSpPr>
+      <p:sp>
+        <p:nvSpPr>
+          <p:cNvPr id="2" name="Slide Image Placeholder 1"/>
+          <p:cNvSpPr>
+            <a:spLocks noGrp="1" noRot="1" noChangeAspect="1"/>
+          </p:cNvSpPr>
+          <p:nvPr>
+            <p:ph type="sldImg"/>
+          </p:nvPr>
+        </p:nvSpPr>
+        <p:spPr/>
+      </p:sp>
+      <p:sp>
+        <p:nvSpPr>
+          <p:cNvPr id="3" name="Notes Placeholder 2"/>
+          <p:cNvSpPr>
+            <a:spLocks noGrp="1"/>
+          </p:cNvSpPr>
+          <p:nvPr>
+            <p:ph type="body" idx="1"/>
+          </p:nvPr>
+        </p:nvSpPr>
+        <p:spPr/>
+        <p:txBody>
+          <a:bodyPr/>
+          <a:lstStyle/>
+          <a:p>
+            <a:endParaRPr lang="en-US" dirty="0"/>
+          </a:p>
+        </p:txBody>
+      </p:sp>
+      <p:sp>
+        <p:nvSpPr>
+          <p:cNvPr id="4" name="Slide Number Placeholder 3"/>
+          <p:cNvSpPr>
+            <a:spLocks noGrp="1"/>
+          </p:cNvSpPr>
+          <p:nvPr>
+            <p:ph type="sldNum" sz="quarter" idx="5"/>
+          </p:nvPr>
+        </p:nvSpPr>
+        <p:spPr/>
+        <p:txBody>
+          <a:bodyPr/>
+          <a:lstStyle/>
+          <a:p>
+            <a:fld id="{98E7458D-A4C5-47E1-AED0-92A55BE669C0}" type="slidenum">
+              <a:rPr lang="en-US" smtClean="0"/>
+              <a:t>15</a:t>
             </a:fld>
             <a:endParaRPr lang="en-US"/>
           </a:p>
@@ -1268,7 +1526,7 @@
           <a:p>
             <a:fld id="{48A87A34-81AB-432B-8DAE-1953F412C126}" type="datetimeFigureOut">
               <a:rPr lang="en-US" dirty="0"/>
-              <a:t>2/3/2020</a:t>
+              <a:t>2/6/2020</a:t>
             </a:fld>
             <a:endParaRPr lang="en-US" dirty="0"/>
           </a:p>
@@ -1530,7 +1788,7 @@
           <a:p>
             <a:fld id="{48A87A34-81AB-432B-8DAE-1953F412C126}" type="datetimeFigureOut">
               <a:rPr lang="en-US" dirty="0"/>
-              <a:t>2/3/2020</a:t>
+              <a:t>2/6/2020</a:t>
             </a:fld>
             <a:endParaRPr lang="en-US" dirty="0"/>
           </a:p>
@@ -1757,7 +2015,7 @@
             <a:fld id="{48A87A34-81AB-432B-8DAE-1953F412C126}" type="datetimeFigureOut">
               <a:rPr lang="en-US" dirty="0"/>
               <a:pPr/>
-              <a:t>2/3/2020</a:t>
+              <a:t>2/6/2020</a:t>
             </a:fld>
             <a:endParaRPr lang="en-US" dirty="0"/>
           </a:p>
@@ -2063,7 +2321,7 @@
             <a:fld id="{48A87A34-81AB-432B-8DAE-1953F412C126}" type="datetimeFigureOut">
               <a:rPr lang="en-US" dirty="0"/>
               <a:pPr/>
-              <a:t>2/3/2020</a:t>
+              <a:t>2/6/2020</a:t>
             </a:fld>
             <a:endParaRPr lang="en-US" dirty="0"/>
           </a:p>
@@ -2532,7 +2790,7 @@
             <a:fld id="{48A87A34-81AB-432B-8DAE-1953F412C126}" type="datetimeFigureOut">
               <a:rPr lang="en-US" dirty="0"/>
               <a:pPr/>
-              <a:t>2/3/2020</a:t>
+              <a:t>2/6/2020</a:t>
             </a:fld>
             <a:endParaRPr lang="en-US" dirty="0"/>
           </a:p>
@@ -3074,7 +3332,7 @@
           <a:p>
             <a:fld id="{48A87A34-81AB-432B-8DAE-1953F412C126}" type="datetimeFigureOut">
               <a:rPr lang="en-US" dirty="0"/>
-              <a:t>2/3/2020</a:t>
+              <a:t>2/6/2020</a:t>
             </a:fld>
             <a:endParaRPr lang="en-US" dirty="0"/>
           </a:p>
@@ -3843,7 +4101,7 @@
           <a:p>
             <a:fld id="{48A87A34-81AB-432B-8DAE-1953F412C126}" type="datetimeFigureOut">
               <a:rPr lang="en-US" dirty="0"/>
-              <a:t>2/3/2020</a:t>
+              <a:t>2/6/2020</a:t>
             </a:fld>
             <a:endParaRPr lang="en-US" dirty="0"/>
           </a:p>
@@ -4013,7 +4271,7 @@
           <a:p>
             <a:fld id="{48A87A34-81AB-432B-8DAE-1953F412C126}" type="datetimeFigureOut">
               <a:rPr lang="en-US" dirty="0"/>
-              <a:t>2/3/2020</a:t>
+              <a:t>2/6/2020</a:t>
             </a:fld>
             <a:endParaRPr lang="en-US" dirty="0"/>
           </a:p>
@@ -4232,7 +4490,7 @@
             <a:fld id="{48A87A34-81AB-432B-8DAE-1953F412C126}" type="datetimeFigureOut">
               <a:rPr lang="en-US" dirty="0"/>
               <a:pPr/>
-              <a:t>2/3/2020</a:t>
+              <a:t>2/6/2020</a:t>
             </a:fld>
             <a:endParaRPr lang="en-US" dirty="0"/>
           </a:p>
@@ -4407,7 +4665,7 @@
           <a:p>
             <a:fld id="{48A87A34-81AB-432B-8DAE-1953F412C126}" type="datetimeFigureOut">
               <a:rPr lang="en-US" dirty="0"/>
-              <a:t>2/3/2020</a:t>
+              <a:t>2/6/2020</a:t>
             </a:fld>
             <a:endParaRPr lang="en-US" dirty="0"/>
           </a:p>
@@ -4692,7 +4950,7 @@
             <a:fld id="{48A87A34-81AB-432B-8DAE-1953F412C126}" type="datetimeFigureOut">
               <a:rPr lang="en-US" dirty="0"/>
               <a:pPr/>
-              <a:t>2/3/2020</a:t>
+              <a:t>2/6/2020</a:t>
             </a:fld>
             <a:endParaRPr lang="en-US" dirty="0"/>
           </a:p>
@@ -4929,7 +5187,7 @@
           <a:p>
             <a:fld id="{48A87A34-81AB-432B-8DAE-1953F412C126}" type="datetimeFigureOut">
               <a:rPr lang="en-US" dirty="0"/>
-              <a:t>2/3/2020</a:t>
+              <a:t>2/6/2020</a:t>
             </a:fld>
             <a:endParaRPr lang="en-US" dirty="0"/>
           </a:p>
@@ -5303,7 +5561,7 @@
           <a:p>
             <a:fld id="{48A87A34-81AB-432B-8DAE-1953F412C126}" type="datetimeFigureOut">
               <a:rPr lang="en-US" dirty="0"/>
-              <a:t>2/3/2020</a:t>
+              <a:t>2/6/2020</a:t>
             </a:fld>
             <a:endParaRPr lang="en-US" dirty="0"/>
           </a:p>
@@ -5416,7 +5674,7 @@
           <a:p>
             <a:fld id="{48A87A34-81AB-432B-8DAE-1953F412C126}" type="datetimeFigureOut">
               <a:rPr lang="en-US" dirty="0"/>
-              <a:t>2/3/2020</a:t>
+              <a:t>2/6/2020</a:t>
             </a:fld>
             <a:endParaRPr lang="en-US" dirty="0"/>
           </a:p>
@@ -5506,7 +5764,7 @@
           <a:p>
             <a:fld id="{48A87A34-81AB-432B-8DAE-1953F412C126}" type="datetimeFigureOut">
               <a:rPr lang="en-US" dirty="0"/>
-              <a:t>2/3/2020</a:t>
+              <a:t>2/6/2020</a:t>
             </a:fld>
             <a:endParaRPr lang="en-US" dirty="0"/>
           </a:p>
@@ -5750,7 +6008,7 @@
           <a:p>
             <a:fld id="{48A87A34-81AB-432B-8DAE-1953F412C126}" type="datetimeFigureOut">
               <a:rPr lang="en-US" dirty="0"/>
-              <a:t>2/3/2020</a:t>
+              <a:t>2/6/2020</a:t>
             </a:fld>
             <a:endParaRPr lang="en-US" dirty="0"/>
           </a:p>
@@ -6002,7 +6260,7 @@
           <a:p>
             <a:fld id="{48A87A34-81AB-432B-8DAE-1953F412C126}" type="datetimeFigureOut">
               <a:rPr lang="en-US" dirty="0"/>
-              <a:t>2/3/2020</a:t>
+              <a:t>2/6/2020</a:t>
             </a:fld>
             <a:endParaRPr lang="en-US" dirty="0"/>
           </a:p>
@@ -6241,7 +6499,7 @@
             <a:fld id="{48A87A34-81AB-432B-8DAE-1953F412C126}" type="datetimeFigureOut">
               <a:rPr lang="en-US" dirty="0"/>
               <a:pPr/>
-              <a:t>2/3/2020</a:t>
+              <a:t>2/6/2020</a:t>
             </a:fld>
             <a:endParaRPr lang="en-US" dirty="0"/>
           </a:p>
@@ -6653,7 +6911,7 @@
           <p:cNvPr id="2" name="Title 1">
             <a:extLst>
               <a:ext uri="{FF2B5EF4-FFF2-40B4-BE49-F238E27FC236}">
-                <a16:creationId xmlns:a16="http://schemas.microsoft.com/office/drawing/2014/main" id="{425A0AA1-E406-4ECD-978A-418AB0BC2649}"/>
+                <a16:creationId xmlns:a16="http://schemas.microsoft.com/office/drawing/2014/main" id="{9C27D7EE-F8A9-4B6E-80C8-EA9B02C42B3D}"/>
               </a:ext>
             </a:extLst>
           </p:cNvPr>
@@ -6661,32 +6919,24 @@
             <a:spLocks noGrp="1"/>
           </p:cNvSpPr>
           <p:nvPr>
-            <p:ph type="ctrTitle"/>
-          </p:nvPr>
-        </p:nvSpPr>
-        <p:spPr>
-          <a:xfrm>
-            <a:off x="1371600" y="1803405"/>
-            <a:ext cx="10234246" cy="1825096"/>
-          </a:xfrm>
-        </p:spPr>
+            <p:ph type="title"/>
+          </p:nvPr>
+        </p:nvSpPr>
+        <p:spPr/>
         <p:txBody>
           <a:bodyPr/>
           <a:lstStyle/>
           <a:p>
-            <a:r>
-              <a:rPr lang="en-US" dirty="0"/>
-              <a:t>PRACTICAL REFACTORING</a:t>
-            </a:r>
-          </a:p>
-        </p:txBody>
-      </p:sp>
-      <p:sp>
-        <p:nvSpPr>
-          <p:cNvPr id="3" name="Subtitle 2">
+            <a:endParaRPr lang="en-US"/>
+          </a:p>
+        </p:txBody>
+      </p:sp>
+      <p:sp>
+        <p:nvSpPr>
+          <p:cNvPr id="3" name="Content Placeholder 2">
             <a:extLst>
               <a:ext uri="{FF2B5EF4-FFF2-40B4-BE49-F238E27FC236}">
-                <a16:creationId xmlns:a16="http://schemas.microsoft.com/office/drawing/2014/main" id="{5EB833E6-A4A8-44BB-9EB9-8E4F8844248D}"/>
+                <a16:creationId xmlns:a16="http://schemas.microsoft.com/office/drawing/2014/main" id="{FDC7B411-4126-4CC6-B13E-932F436F0FA8}"/>
               </a:ext>
             </a:extLst>
           </p:cNvPr>
@@ -6694,38 +6944,52 @@
             <a:spLocks noGrp="1"/>
           </p:cNvSpPr>
           <p:nvPr>
-            <p:ph type="subTitle" idx="1"/>
-          </p:nvPr>
-        </p:nvSpPr>
-        <p:spPr>
-          <a:xfrm>
-            <a:off x="1371600" y="3632200"/>
-            <a:ext cx="9448800" cy="1502507"/>
-          </a:xfrm>
-        </p:spPr>
-        <p:txBody>
-          <a:bodyPr>
-            <a:normAutofit/>
-          </a:bodyPr>
-          <a:lstStyle/>
-          <a:p>
-            <a:r>
-              <a:rPr lang="en-US" sz="2800" dirty="0"/>
-              <a:t>Patrick Szalapski</a:t>
-            </a:r>
-          </a:p>
-          <a:p>
-            <a:r>
-              <a:rPr lang="en-US" sz="2800" dirty="0"/>
-              <a:t>@Szalapski | szalapski.com</a:t>
-            </a:r>
-          </a:p>
-        </p:txBody>
-      </p:sp>
+            <p:ph idx="1"/>
+          </p:nvPr>
+        </p:nvSpPr>
+        <p:spPr/>
+        <p:txBody>
+          <a:bodyPr/>
+          <a:lstStyle/>
+          <a:p>
+            <a:endParaRPr lang="en-US"/>
+          </a:p>
+        </p:txBody>
+      </p:sp>
+      <p:pic>
+        <p:nvPicPr>
+          <p:cNvPr id="4" name="Picture 3">
+            <a:extLst>
+              <a:ext uri="{FF2B5EF4-FFF2-40B4-BE49-F238E27FC236}">
+                <a16:creationId xmlns:a16="http://schemas.microsoft.com/office/drawing/2014/main" id="{435B792B-ED01-40E3-A36D-2415A784C167}"/>
+              </a:ext>
+            </a:extLst>
+          </p:cNvPr>
+          <p:cNvPicPr>
+            <a:picLocks noChangeAspect="1"/>
+          </p:cNvPicPr>
+          <p:nvPr/>
+        </p:nvPicPr>
+        <p:blipFill>
+          <a:blip r:embed="rId2"/>
+          <a:stretch>
+            <a:fillRect/>
+          </a:stretch>
+        </p:blipFill>
+        <p:spPr>
+          <a:xfrm>
+            <a:off x="3405187" y="214312"/>
+            <a:ext cx="5381625" cy="6429375"/>
+          </a:xfrm>
+          <a:prstGeom prst="rect">
+            <a:avLst/>
+          </a:prstGeom>
+        </p:spPr>
+      </p:pic>
     </p:spTree>
     <p:extLst>
       <p:ext uri="{BB962C8B-B14F-4D97-AF65-F5344CB8AC3E}">
-        <p14:creationId xmlns:p14="http://schemas.microsoft.com/office/powerpoint/2010/main" val="3001919675"/>
+        <p14:creationId xmlns:p14="http://schemas.microsoft.com/office/powerpoint/2010/main" val="753591791"/>
       </p:ext>
     </p:extLst>
   </p:cSld>
@@ -6735,7 +6999,7 @@
 </p:sld>
 </file>
 
-<file path=ppt/slides/slide2.xml><?xml version="1.0" encoding="utf-8"?>
+<file path=ppt/slides/slide10.xml><?xml version="1.0" encoding="utf-8"?>
 <p:sld xmlns:a="http://schemas.openxmlformats.org/drawingml/2006/main" xmlns:r="http://schemas.openxmlformats.org/officeDocument/2006/relationships" xmlns:p="http://schemas.openxmlformats.org/presentationml/2006/main">
   <p:cSld>
     <p:spTree>
@@ -6757,7 +7021,7 @@
           <p:cNvPr id="3" name="Content Placeholder 2">
             <a:extLst>
               <a:ext uri="{FF2B5EF4-FFF2-40B4-BE49-F238E27FC236}">
-                <a16:creationId xmlns:a16="http://schemas.microsoft.com/office/drawing/2014/main" id="{D8C72433-D559-407B-BBE6-931109BBD8E6}"/>
+                <a16:creationId xmlns:a16="http://schemas.microsoft.com/office/drawing/2014/main" id="{46788B64-0D05-4F95-9E09-8F7E078A72E1}"/>
               </a:ext>
             </a:extLst>
           </p:cNvPr>
@@ -6770,8 +7034,8 @@
         </p:nvSpPr>
         <p:spPr>
           <a:xfrm>
-            <a:off x="388620" y="1607233"/>
-            <a:ext cx="11327130" cy="1664872"/>
+            <a:off x="685800" y="1416937"/>
+            <a:ext cx="10820400" cy="4024125"/>
           </a:xfrm>
         </p:spPr>
         <p:txBody>
@@ -6784,63 +7048,54 @@
               <a:buNone/>
             </a:pPr>
             <a:r>
-              <a:rPr lang="en-US" sz="4800" dirty="0"/>
-              <a:t>To </a:t>
-            </a:r>
-            <a:r>
-              <a:rPr lang="en-US" sz="4800" b="1" dirty="0"/>
-              <a:t>refactor</a:t>
-            </a:r>
-            <a:r>
-              <a:rPr lang="en-US" sz="4800" dirty="0"/>
-              <a:t> is to make code better without changing its behavior</a:t>
-            </a:r>
-          </a:p>
-        </p:txBody>
-      </p:sp>
-      <p:sp>
-        <p:nvSpPr>
-          <p:cNvPr id="12" name="TextBox 11">
-            <a:extLst>
-              <a:ext uri="{FF2B5EF4-FFF2-40B4-BE49-F238E27FC236}">
-                <a16:creationId xmlns:a16="http://schemas.microsoft.com/office/drawing/2014/main" id="{4BC0D16E-33E3-46A4-A769-2B2D5C935F19}"/>
-              </a:ext>
-            </a:extLst>
-          </p:cNvPr>
-          <p:cNvSpPr txBox="1"/>
-          <p:nvPr/>
-        </p:nvSpPr>
-        <p:spPr>
-          <a:xfrm>
-            <a:off x="2603164" y="3585895"/>
-            <a:ext cx="6898042" cy="830997"/>
-          </a:xfrm>
-          <a:prstGeom prst="rect">
-            <a:avLst/>
-          </a:prstGeom>
-          <a:noFill/>
-        </p:spPr>
-        <p:txBody>
-          <a:bodyPr wrap="none" rtlCol="0">
-            <a:spAutoFit/>
-          </a:bodyPr>
-          <a:lstStyle/>
-          <a:p>
-            <a:pPr algn="ctr"/>
-            <a:r>
-              <a:rPr lang="en-US" sz="2400" b="1" dirty="0"/>
-              <a:t>Behavior</a:t>
-            </a:r>
-            <a:r>
-              <a:rPr lang="en-US" sz="2400" dirty="0"/>
-              <a:t> usually means output or side effects</a:t>
-            </a:r>
-          </a:p>
-          <a:p>
-            <a:pPr algn="ctr"/>
-            <a:r>
-              <a:rPr lang="en-US" sz="2400" dirty="0"/>
-              <a:t>but also could be performance or resource</a:t>
+              <a:rPr lang="en-US" sz="4400" dirty="0"/>
+              <a:t>The only good way to refactor</a:t>
+            </a:r>
+          </a:p>
+          <a:p>
+            <a:pPr marL="0" indent="0" algn="ctr">
+              <a:buNone/>
+            </a:pPr>
+            <a:r>
+              <a:rPr lang="en-US" sz="4400" dirty="0"/>
+              <a:t>Is in a </a:t>
+            </a:r>
+            <a:r>
+              <a:rPr lang="en-US" sz="4400" b="1" dirty="0"/>
+              <a:t>small easy step</a:t>
+            </a:r>
+          </a:p>
+          <a:p>
+            <a:pPr marL="0" indent="0" algn="ctr">
+              <a:buNone/>
+            </a:pPr>
+            <a:r>
+              <a:rPr lang="en-US" sz="4400" dirty="0"/>
+              <a:t>Then repeat in tight loops</a:t>
+            </a:r>
+          </a:p>
+          <a:p>
+            <a:pPr marL="0" indent="0" algn="ctr">
+              <a:buNone/>
+            </a:pPr>
+            <a:endParaRPr lang="en-US" sz="4000" dirty="0"/>
+          </a:p>
+          <a:p>
+            <a:pPr marL="0" indent="0" algn="ctr">
+              <a:buNone/>
+            </a:pPr>
+            <a:r>
+              <a:rPr lang="en-US" sz="3200" dirty="0"/>
+              <a:t>Five refactors at 99% confidence</a:t>
+            </a:r>
+          </a:p>
+          <a:p>
+            <a:pPr marL="0" indent="0" algn="ctr">
+              <a:buNone/>
+            </a:pPr>
+            <a:r>
+              <a:rPr lang="en-US" sz="3200" dirty="0"/>
+              <a:t>are better than one big refactor at 80% confidence</a:t>
             </a:r>
           </a:p>
         </p:txBody>
@@ -6848,7 +7103,7 @@
     </p:spTree>
     <p:extLst>
       <p:ext uri="{BB962C8B-B14F-4D97-AF65-F5344CB8AC3E}">
-        <p14:creationId xmlns:p14="http://schemas.microsoft.com/office/powerpoint/2010/main" val="657785876"/>
+        <p14:creationId xmlns:p14="http://schemas.microsoft.com/office/powerpoint/2010/main" val="3549367988"/>
       </p:ext>
     </p:extLst>
   </p:cSld>
@@ -6858,7 +7113,7 @@
 </p:sld>
 </file>
 
-<file path=ppt/slides/slide3.xml><?xml version="1.0" encoding="utf-8"?>
+<file path=ppt/slides/slide11.xml><?xml version="1.0" encoding="utf-8"?>
 <p:sld xmlns:a="http://schemas.openxmlformats.org/drawingml/2006/main" xmlns:r="http://schemas.openxmlformats.org/officeDocument/2006/relationships" xmlns:p="http://schemas.openxmlformats.org/presentationml/2006/main">
   <p:cSld>
     <p:spTree>
@@ -6880,242 +7135,6 @@
           <p:cNvPr id="3" name="Content Placeholder 2">
             <a:extLst>
               <a:ext uri="{FF2B5EF4-FFF2-40B4-BE49-F238E27FC236}">
-                <a16:creationId xmlns:a16="http://schemas.microsoft.com/office/drawing/2014/main" id="{D8C72433-D559-407B-BBE6-931109BBD8E6}"/>
-              </a:ext>
-            </a:extLst>
-          </p:cNvPr>
-          <p:cNvSpPr>
-            <a:spLocks noGrp="1"/>
-          </p:cNvSpPr>
-          <p:nvPr>
-            <p:ph idx="1"/>
-          </p:nvPr>
-        </p:nvSpPr>
-        <p:spPr>
-          <a:xfrm>
-            <a:off x="388620" y="1607233"/>
-            <a:ext cx="11327130" cy="1627457"/>
-          </a:xfrm>
-        </p:spPr>
-        <p:txBody>
-          <a:bodyPr>
-            <a:normAutofit/>
-          </a:bodyPr>
-          <a:lstStyle/>
-          <a:p>
-            <a:pPr marL="0" indent="0" algn="ctr">
-              <a:buNone/>
-            </a:pPr>
-            <a:r>
-              <a:rPr lang="en-US" sz="4800" dirty="0"/>
-              <a:t>The main benefit of refactoring is increased </a:t>
-            </a:r>
-            <a:r>
-              <a:rPr lang="en-US" sz="4800" b="1" dirty="0"/>
-              <a:t>maintainability</a:t>
-            </a:r>
-          </a:p>
-        </p:txBody>
-      </p:sp>
-      <p:sp>
-        <p:nvSpPr>
-          <p:cNvPr id="12" name="TextBox 11">
-            <a:extLst>
-              <a:ext uri="{FF2B5EF4-FFF2-40B4-BE49-F238E27FC236}">
-                <a16:creationId xmlns:a16="http://schemas.microsoft.com/office/drawing/2014/main" id="{4BC0D16E-33E3-46A4-A769-2B2D5C935F19}"/>
-              </a:ext>
-            </a:extLst>
-          </p:cNvPr>
-          <p:cNvSpPr txBox="1"/>
-          <p:nvPr/>
-        </p:nvSpPr>
-        <p:spPr>
-          <a:xfrm>
-            <a:off x="2365117" y="3429000"/>
-            <a:ext cx="7374135" cy="1384995"/>
-          </a:xfrm>
-          <a:prstGeom prst="rect">
-            <a:avLst/>
-          </a:prstGeom>
-          <a:noFill/>
-        </p:spPr>
-        <p:txBody>
-          <a:bodyPr wrap="none" rtlCol="0">
-            <a:spAutoFit/>
-          </a:bodyPr>
-          <a:lstStyle/>
-          <a:p>
-            <a:pPr algn="ctr"/>
-            <a:r>
-              <a:rPr lang="en-US" sz="2800" dirty="0"/>
-              <a:t>The best code to refactor </a:t>
-            </a:r>
-          </a:p>
-          <a:p>
-            <a:pPr algn="ctr"/>
-            <a:r>
-              <a:rPr lang="en-US" sz="2800" dirty="0"/>
-              <a:t>is the code you’re most likely to work with</a:t>
-            </a:r>
-            <a:br>
-              <a:rPr lang="en-US" sz="2800" dirty="0"/>
-            </a:br>
-            <a:r>
-              <a:rPr lang="en-US" sz="2800" dirty="0"/>
-              <a:t>the most often</a:t>
-            </a:r>
-          </a:p>
-        </p:txBody>
-      </p:sp>
-    </p:spTree>
-    <p:extLst>
-      <p:ext uri="{BB962C8B-B14F-4D97-AF65-F5344CB8AC3E}">
-        <p14:creationId xmlns:p14="http://schemas.microsoft.com/office/powerpoint/2010/main" val="1076625757"/>
-      </p:ext>
-    </p:extLst>
-  </p:cSld>
-  <p:clrMapOvr>
-    <a:masterClrMapping/>
-  </p:clrMapOvr>
-</p:sld>
-</file>
-
-<file path=ppt/slides/slide4.xml><?xml version="1.0" encoding="utf-8"?>
-<p:sld xmlns:a="http://schemas.openxmlformats.org/drawingml/2006/main" xmlns:r="http://schemas.openxmlformats.org/officeDocument/2006/relationships" xmlns:p="http://schemas.openxmlformats.org/presentationml/2006/main">
-  <p:cSld>
-    <p:spTree>
-      <p:nvGrpSpPr>
-        <p:cNvPr id="1" name=""/>
-        <p:cNvGrpSpPr/>
-        <p:nvPr/>
-      </p:nvGrpSpPr>
-      <p:grpSpPr>
-        <a:xfrm>
-          <a:off x="0" y="0"/>
-          <a:ext cx="0" cy="0"/>
-          <a:chOff x="0" y="0"/>
-          <a:chExt cx="0" cy="0"/>
-        </a:xfrm>
-      </p:grpSpPr>
-      <p:sp>
-        <p:nvSpPr>
-          <p:cNvPr id="3" name="Content Placeholder 2">
-            <a:extLst>
-              <a:ext uri="{FF2B5EF4-FFF2-40B4-BE49-F238E27FC236}">
-                <a16:creationId xmlns:a16="http://schemas.microsoft.com/office/drawing/2014/main" id="{46788B64-0D05-4F95-9E09-8F7E078A72E1}"/>
-              </a:ext>
-            </a:extLst>
-          </p:cNvPr>
-          <p:cNvSpPr>
-            <a:spLocks noGrp="1"/>
-          </p:cNvSpPr>
-          <p:nvPr>
-            <p:ph idx="1"/>
-          </p:nvPr>
-        </p:nvSpPr>
-        <p:spPr>
-          <a:xfrm>
-            <a:off x="685800" y="1416937"/>
-            <a:ext cx="10820400" cy="4024125"/>
-          </a:xfrm>
-        </p:spPr>
-        <p:txBody>
-          <a:bodyPr>
-            <a:normAutofit/>
-          </a:bodyPr>
-          <a:lstStyle/>
-          <a:p>
-            <a:pPr marL="0" indent="0" algn="ctr">
-              <a:buNone/>
-            </a:pPr>
-            <a:r>
-              <a:rPr lang="en-US" sz="4400" dirty="0"/>
-              <a:t>The only good way to refactor</a:t>
-            </a:r>
-          </a:p>
-          <a:p>
-            <a:pPr marL="0" indent="0" algn="ctr">
-              <a:buNone/>
-            </a:pPr>
-            <a:r>
-              <a:rPr lang="en-US" sz="4400" dirty="0"/>
-              <a:t>Is in a </a:t>
-            </a:r>
-            <a:r>
-              <a:rPr lang="en-US" sz="4400" b="1" dirty="0"/>
-              <a:t>small easy step</a:t>
-            </a:r>
-          </a:p>
-          <a:p>
-            <a:pPr marL="0" indent="0" algn="ctr">
-              <a:buNone/>
-            </a:pPr>
-            <a:r>
-              <a:rPr lang="en-US" sz="4400" dirty="0"/>
-              <a:t>Then repeat in tight loops</a:t>
-            </a:r>
-          </a:p>
-          <a:p>
-            <a:pPr marL="0" indent="0" algn="ctr">
-              <a:buNone/>
-            </a:pPr>
-            <a:endParaRPr lang="en-US" sz="4000" dirty="0"/>
-          </a:p>
-          <a:p>
-            <a:pPr marL="0" indent="0" algn="ctr">
-              <a:buNone/>
-            </a:pPr>
-            <a:r>
-              <a:rPr lang="en-US" sz="3200" dirty="0"/>
-              <a:t>Five refactors at 99% confidence</a:t>
-            </a:r>
-          </a:p>
-          <a:p>
-            <a:pPr marL="0" indent="0" algn="ctr">
-              <a:buNone/>
-            </a:pPr>
-            <a:r>
-              <a:rPr lang="en-US" sz="3200" dirty="0"/>
-              <a:t>are better than one big refactor at 80% confidence</a:t>
-            </a:r>
-          </a:p>
-        </p:txBody>
-      </p:sp>
-    </p:spTree>
-    <p:extLst>
-      <p:ext uri="{BB962C8B-B14F-4D97-AF65-F5344CB8AC3E}">
-        <p14:creationId xmlns:p14="http://schemas.microsoft.com/office/powerpoint/2010/main" val="3549367988"/>
-      </p:ext>
-    </p:extLst>
-  </p:cSld>
-  <p:clrMapOvr>
-    <a:masterClrMapping/>
-  </p:clrMapOvr>
-</p:sld>
-</file>
-
-<file path=ppt/slides/slide5.xml><?xml version="1.0" encoding="utf-8"?>
-<p:sld xmlns:a="http://schemas.openxmlformats.org/drawingml/2006/main" xmlns:r="http://schemas.openxmlformats.org/officeDocument/2006/relationships" xmlns:p="http://schemas.openxmlformats.org/presentationml/2006/main">
-  <p:cSld>
-    <p:spTree>
-      <p:nvGrpSpPr>
-        <p:cNvPr id="1" name=""/>
-        <p:cNvGrpSpPr/>
-        <p:nvPr/>
-      </p:nvGrpSpPr>
-      <p:grpSpPr>
-        <a:xfrm>
-          <a:off x="0" y="0"/>
-          <a:ext cx="0" cy="0"/>
-          <a:chOff x="0" y="0"/>
-          <a:chExt cx="0" cy="0"/>
-        </a:xfrm>
-      </p:grpSpPr>
-      <p:sp>
-        <p:nvSpPr>
-          <p:cNvPr id="3" name="Content Placeholder 2">
-            <a:extLst>
-              <a:ext uri="{FF2B5EF4-FFF2-40B4-BE49-F238E27FC236}">
                 <a16:creationId xmlns:a16="http://schemas.microsoft.com/office/drawing/2014/main" id="{BD539F85-17C1-4236-9189-531012E08B9C}"/>
               </a:ext>
             </a:extLst>
@@ -7186,7 +7205,7 @@
 </p:sld>
 </file>
 
-<file path=ppt/slides/slide6.xml><?xml version="1.0" encoding="utf-8"?>
+<file path=ppt/slides/slide12.xml><?xml version="1.0" encoding="utf-8"?>
 <p:sld xmlns:a="http://schemas.openxmlformats.org/drawingml/2006/main" xmlns:r="http://schemas.openxmlformats.org/officeDocument/2006/relationships" xmlns:p="http://schemas.openxmlformats.org/presentationml/2006/main">
   <p:cSld>
     <p:spTree>
@@ -7460,7 +7479,7 @@
 </p:sld>
 </file>
 
-<file path=ppt/slides/slide7.xml><?xml version="1.0" encoding="utf-8"?>
+<file path=ppt/slides/slide13.xml><?xml version="1.0" encoding="utf-8"?>
 <p:sld xmlns:a="http://schemas.openxmlformats.org/drawingml/2006/main" xmlns:r="http://schemas.openxmlformats.org/officeDocument/2006/relationships" xmlns:p="http://schemas.openxmlformats.org/presentationml/2006/main">
   <p:cSld>
     <p:spTree>
@@ -7586,7 +7605,7 @@
 </p:sld>
 </file>
 
-<file path=ppt/slides/slide8.xml><?xml version="1.0" encoding="utf-8"?>
+<file path=ppt/slides/slide14.xml><?xml version="1.0" encoding="utf-8"?>
 <p:sld xmlns:a="http://schemas.openxmlformats.org/drawingml/2006/main" xmlns:r="http://schemas.openxmlformats.org/officeDocument/2006/relationships" xmlns:p="http://schemas.openxmlformats.org/presentationml/2006/main">
   <p:cSld>
     <p:spTree>
@@ -7705,7 +7724,7 @@
 </p:sld>
 </file>
 
-<file path=ppt/slides/slide9.xml><?xml version="1.0" encoding="utf-8"?>
+<file path=ppt/slides/slide15.xml><?xml version="1.0" encoding="utf-8"?>
 <p:sld xmlns:a="http://schemas.openxmlformats.org/drawingml/2006/main" xmlns:r="http://schemas.openxmlformats.org/officeDocument/2006/relationships" xmlns:p="http://schemas.openxmlformats.org/presentationml/2006/main">
   <p:cSld>
     <p:spTree>
@@ -8203,6 +8222,881 @@
     <p:extLst>
       <p:ext uri="{BB962C8B-B14F-4D97-AF65-F5344CB8AC3E}">
         <p14:creationId xmlns:p14="http://schemas.microsoft.com/office/powerpoint/2010/main" val="182052984"/>
+      </p:ext>
+    </p:extLst>
+  </p:cSld>
+  <p:clrMapOvr>
+    <a:masterClrMapping/>
+  </p:clrMapOvr>
+</p:sld>
+</file>
+
+<file path=ppt/slides/slide2.xml><?xml version="1.0" encoding="utf-8"?>
+<p:sld xmlns:a="http://schemas.openxmlformats.org/drawingml/2006/main" xmlns:r="http://schemas.openxmlformats.org/officeDocument/2006/relationships" xmlns:p="http://schemas.openxmlformats.org/presentationml/2006/main">
+  <p:cSld>
+    <p:spTree>
+      <p:nvGrpSpPr>
+        <p:cNvPr id="1" name=""/>
+        <p:cNvGrpSpPr/>
+        <p:nvPr/>
+      </p:nvGrpSpPr>
+      <p:grpSpPr>
+        <a:xfrm>
+          <a:off x="0" y="0"/>
+          <a:ext cx="0" cy="0"/>
+          <a:chOff x="0" y="0"/>
+          <a:chExt cx="0" cy="0"/>
+        </a:xfrm>
+      </p:grpSpPr>
+      <p:sp>
+        <p:nvSpPr>
+          <p:cNvPr id="2" name="Title 1">
+            <a:extLst>
+              <a:ext uri="{FF2B5EF4-FFF2-40B4-BE49-F238E27FC236}">
+                <a16:creationId xmlns:a16="http://schemas.microsoft.com/office/drawing/2014/main" id="{22EED7C0-B20E-4281-BF86-155391D8EDCA}"/>
+              </a:ext>
+            </a:extLst>
+          </p:cNvPr>
+          <p:cNvSpPr>
+            <a:spLocks noGrp="1"/>
+          </p:cNvSpPr>
+          <p:nvPr>
+            <p:ph type="title"/>
+          </p:nvPr>
+        </p:nvSpPr>
+        <p:spPr/>
+        <p:txBody>
+          <a:bodyPr/>
+          <a:lstStyle/>
+          <a:p>
+            <a:endParaRPr lang="en-US"/>
+          </a:p>
+        </p:txBody>
+      </p:sp>
+      <p:pic>
+        <p:nvPicPr>
+          <p:cNvPr id="1026" name="Picture 2" descr="Image result for works on my machine">
+            <a:extLst>
+              <a:ext uri="{FF2B5EF4-FFF2-40B4-BE49-F238E27FC236}">
+                <a16:creationId xmlns:a16="http://schemas.microsoft.com/office/drawing/2014/main" id="{549A8DFF-F32E-4A3C-A7FF-9245C21F26E7}"/>
+              </a:ext>
+            </a:extLst>
+          </p:cNvPr>
+          <p:cNvPicPr>
+            <a:picLocks noChangeAspect="1" noChangeArrowheads="1"/>
+          </p:cNvPicPr>
+          <p:nvPr/>
+        </p:nvPicPr>
+        <p:blipFill>
+          <a:blip r:embed="rId2">
+            <a:extLst>
+              <a:ext uri="{28A0092B-C50C-407E-A947-70E740481C1C}">
+                <a14:useLocalDpi xmlns:a14="http://schemas.microsoft.com/office/drawing/2010/main" val="0"/>
+              </a:ext>
+            </a:extLst>
+          </a:blip>
+          <a:srcRect/>
+          <a:stretch>
+            <a:fillRect/>
+          </a:stretch>
+        </p:blipFill>
+        <p:spPr bwMode="auto">
+          <a:xfrm>
+            <a:off x="2290763" y="1262063"/>
+            <a:ext cx="7610475" cy="4333875"/>
+          </a:xfrm>
+          <a:prstGeom prst="rect">
+            <a:avLst/>
+          </a:prstGeom>
+          <a:noFill/>
+          <a:extLst>
+            <a:ext uri="{909E8E84-426E-40DD-AFC4-6F175D3DCCD1}">
+              <a14:hiddenFill xmlns:a14="http://schemas.microsoft.com/office/drawing/2010/main">
+                <a:solidFill>
+                  <a:srgbClr val="FFFFFF"/>
+                </a:solidFill>
+              </a14:hiddenFill>
+            </a:ext>
+          </a:extLst>
+        </p:spPr>
+      </p:pic>
+      <p:sp>
+        <p:nvSpPr>
+          <p:cNvPr id="6" name="Content Placeholder 5">
+            <a:extLst>
+              <a:ext uri="{FF2B5EF4-FFF2-40B4-BE49-F238E27FC236}">
+                <a16:creationId xmlns:a16="http://schemas.microsoft.com/office/drawing/2014/main" id="{B4D0E2EB-3307-44C3-86CB-60D7C6A99790}"/>
+              </a:ext>
+            </a:extLst>
+          </p:cNvPr>
+          <p:cNvSpPr>
+            <a:spLocks noGrp="1"/>
+          </p:cNvSpPr>
+          <p:nvPr>
+            <p:ph idx="1"/>
+          </p:nvPr>
+        </p:nvSpPr>
+        <p:spPr/>
+        <p:txBody>
+          <a:bodyPr/>
+          <a:lstStyle/>
+          <a:p>
+            <a:endParaRPr lang="en-US"/>
+          </a:p>
+        </p:txBody>
+      </p:sp>
+    </p:spTree>
+    <p:extLst>
+      <p:ext uri="{BB962C8B-B14F-4D97-AF65-F5344CB8AC3E}">
+        <p14:creationId xmlns:p14="http://schemas.microsoft.com/office/powerpoint/2010/main" val="3293388122"/>
+      </p:ext>
+    </p:extLst>
+  </p:cSld>
+  <p:clrMapOvr>
+    <a:masterClrMapping/>
+  </p:clrMapOvr>
+</p:sld>
+</file>
+
+<file path=ppt/slides/slide3.xml><?xml version="1.0" encoding="utf-8"?>
+<p:sld xmlns:a="http://schemas.openxmlformats.org/drawingml/2006/main" xmlns:r="http://schemas.openxmlformats.org/officeDocument/2006/relationships" xmlns:p="http://schemas.openxmlformats.org/presentationml/2006/main">
+  <p:cSld>
+    <p:spTree>
+      <p:nvGrpSpPr>
+        <p:cNvPr id="1" name=""/>
+        <p:cNvGrpSpPr/>
+        <p:nvPr/>
+      </p:nvGrpSpPr>
+      <p:grpSpPr>
+        <a:xfrm>
+          <a:off x="0" y="0"/>
+          <a:ext cx="0" cy="0"/>
+          <a:chOff x="0" y="0"/>
+          <a:chExt cx="0" cy="0"/>
+        </a:xfrm>
+      </p:grpSpPr>
+      <p:sp>
+        <p:nvSpPr>
+          <p:cNvPr id="2" name="Title 1">
+            <a:extLst>
+              <a:ext uri="{FF2B5EF4-FFF2-40B4-BE49-F238E27FC236}">
+                <a16:creationId xmlns:a16="http://schemas.microsoft.com/office/drawing/2014/main" id="{F84829F1-CAB6-4448-8D0E-AE3E83C377AF}"/>
+              </a:ext>
+            </a:extLst>
+          </p:cNvPr>
+          <p:cNvSpPr>
+            <a:spLocks noGrp="1"/>
+          </p:cNvSpPr>
+          <p:nvPr>
+            <p:ph type="title"/>
+          </p:nvPr>
+        </p:nvSpPr>
+        <p:spPr/>
+        <p:txBody>
+          <a:bodyPr/>
+          <a:lstStyle/>
+          <a:p>
+            <a:endParaRPr lang="en-US"/>
+          </a:p>
+        </p:txBody>
+      </p:sp>
+      <p:sp>
+        <p:nvSpPr>
+          <p:cNvPr id="3" name="Content Placeholder 2">
+            <a:extLst>
+              <a:ext uri="{FF2B5EF4-FFF2-40B4-BE49-F238E27FC236}">
+                <a16:creationId xmlns:a16="http://schemas.microsoft.com/office/drawing/2014/main" id="{18D0D8AC-447D-4A95-8FA3-DEAEE504307C}"/>
+              </a:ext>
+            </a:extLst>
+          </p:cNvPr>
+          <p:cNvSpPr>
+            <a:spLocks noGrp="1"/>
+          </p:cNvSpPr>
+          <p:nvPr>
+            <p:ph idx="1"/>
+          </p:nvPr>
+        </p:nvSpPr>
+        <p:spPr/>
+        <p:txBody>
+          <a:bodyPr/>
+          <a:lstStyle/>
+          <a:p>
+            <a:endParaRPr lang="en-US"/>
+          </a:p>
+        </p:txBody>
+      </p:sp>
+      <p:pic>
+        <p:nvPicPr>
+          <p:cNvPr id="4" name="Content Placeholder 4" descr="A circuit board&#10;&#10;Description automatically generated">
+            <a:extLst>
+              <a:ext uri="{FF2B5EF4-FFF2-40B4-BE49-F238E27FC236}">
+                <a16:creationId xmlns:a16="http://schemas.microsoft.com/office/drawing/2014/main" id="{88C4D1E6-AA05-474E-BF6D-35D976A5E41F}"/>
+              </a:ext>
+            </a:extLst>
+          </p:cNvPr>
+          <p:cNvPicPr>
+            <a:picLocks noChangeAspect="1"/>
+          </p:cNvPicPr>
+          <p:nvPr/>
+        </p:nvPicPr>
+        <p:blipFill>
+          <a:blip r:embed="rId2"/>
+          <a:stretch>
+            <a:fillRect/>
+          </a:stretch>
+        </p:blipFill>
+        <p:spPr>
+          <a:xfrm>
+            <a:off x="1114926" y="0"/>
+            <a:ext cx="10202778" cy="7652084"/>
+          </a:xfrm>
+          <a:prstGeom prst="rect">
+            <a:avLst/>
+          </a:prstGeom>
+        </p:spPr>
+      </p:pic>
+    </p:spTree>
+    <p:extLst>
+      <p:ext uri="{BB962C8B-B14F-4D97-AF65-F5344CB8AC3E}">
+        <p14:creationId xmlns:p14="http://schemas.microsoft.com/office/powerpoint/2010/main" val="2596384548"/>
+      </p:ext>
+    </p:extLst>
+  </p:cSld>
+  <p:clrMapOvr>
+    <a:masterClrMapping/>
+  </p:clrMapOvr>
+</p:sld>
+</file>
+
+<file path=ppt/slides/slide4.xml><?xml version="1.0" encoding="utf-8"?>
+<p:sld xmlns:a="http://schemas.openxmlformats.org/drawingml/2006/main" xmlns:r="http://schemas.openxmlformats.org/officeDocument/2006/relationships" xmlns:p="http://schemas.openxmlformats.org/presentationml/2006/main">
+  <p:cSld>
+    <p:spTree>
+      <p:nvGrpSpPr>
+        <p:cNvPr id="1" name=""/>
+        <p:cNvGrpSpPr/>
+        <p:nvPr/>
+      </p:nvGrpSpPr>
+      <p:grpSpPr>
+        <a:xfrm>
+          <a:off x="0" y="0"/>
+          <a:ext cx="0" cy="0"/>
+          <a:chOff x="0" y="0"/>
+          <a:chExt cx="0" cy="0"/>
+        </a:xfrm>
+      </p:grpSpPr>
+      <p:sp>
+        <p:nvSpPr>
+          <p:cNvPr id="2" name="Title 1">
+            <a:extLst>
+              <a:ext uri="{FF2B5EF4-FFF2-40B4-BE49-F238E27FC236}">
+                <a16:creationId xmlns:a16="http://schemas.microsoft.com/office/drawing/2014/main" id="{EA20A06F-FD09-4624-AA60-10F511E86F3C}"/>
+              </a:ext>
+            </a:extLst>
+          </p:cNvPr>
+          <p:cNvSpPr>
+            <a:spLocks noGrp="1"/>
+          </p:cNvSpPr>
+          <p:nvPr>
+            <p:ph type="title"/>
+          </p:nvPr>
+        </p:nvSpPr>
+        <p:spPr/>
+        <p:txBody>
+          <a:bodyPr/>
+          <a:lstStyle/>
+          <a:p>
+            <a:endParaRPr lang="en-US"/>
+          </a:p>
+        </p:txBody>
+      </p:sp>
+      <p:pic>
+        <p:nvPicPr>
+          <p:cNvPr id="5" name="Content Placeholder 4" descr="A picture containing computer, sitting, laptop, table&#10;&#10;Description automatically generated">
+            <a:extLst>
+              <a:ext uri="{FF2B5EF4-FFF2-40B4-BE49-F238E27FC236}">
+                <a16:creationId xmlns:a16="http://schemas.microsoft.com/office/drawing/2014/main" id="{C439CD16-102E-4BBC-B0CA-94E31262FB34}"/>
+              </a:ext>
+            </a:extLst>
+          </p:cNvPr>
+          <p:cNvPicPr>
+            <a:picLocks noGrp="1" noChangeAspect="1"/>
+          </p:cNvPicPr>
+          <p:nvPr>
+            <p:ph idx="1"/>
+          </p:nvPr>
+        </p:nvPicPr>
+        <p:blipFill>
+          <a:blip r:embed="rId3"/>
+          <a:stretch>
+            <a:fillRect/>
+          </a:stretch>
+        </p:blipFill>
+        <p:spPr>
+          <a:xfrm>
+            <a:off x="3356811" y="46987"/>
+            <a:ext cx="4485748" cy="6811013"/>
+          </a:xfrm>
+        </p:spPr>
+      </p:pic>
+    </p:spTree>
+    <p:extLst>
+      <p:ext uri="{BB962C8B-B14F-4D97-AF65-F5344CB8AC3E}">
+        <p14:creationId xmlns:p14="http://schemas.microsoft.com/office/powerpoint/2010/main" val="2554282735"/>
+      </p:ext>
+    </p:extLst>
+  </p:cSld>
+  <p:clrMapOvr>
+    <a:masterClrMapping/>
+  </p:clrMapOvr>
+</p:sld>
+</file>
+
+<file path=ppt/slides/slide5.xml><?xml version="1.0" encoding="utf-8"?>
+<p:sld xmlns:a="http://schemas.openxmlformats.org/drawingml/2006/main" xmlns:r="http://schemas.openxmlformats.org/officeDocument/2006/relationships" xmlns:p="http://schemas.openxmlformats.org/presentationml/2006/main">
+  <p:cSld>
+    <p:spTree>
+      <p:nvGrpSpPr>
+        <p:cNvPr id="1" name=""/>
+        <p:cNvGrpSpPr/>
+        <p:nvPr/>
+      </p:nvGrpSpPr>
+      <p:grpSpPr>
+        <a:xfrm>
+          <a:off x="0" y="0"/>
+          <a:ext cx="0" cy="0"/>
+          <a:chOff x="0" y="0"/>
+          <a:chExt cx="0" cy="0"/>
+        </a:xfrm>
+      </p:grpSpPr>
+      <p:sp>
+        <p:nvSpPr>
+          <p:cNvPr id="2" name="Title 1">
+            <a:extLst>
+              <a:ext uri="{FF2B5EF4-FFF2-40B4-BE49-F238E27FC236}">
+                <a16:creationId xmlns:a16="http://schemas.microsoft.com/office/drawing/2014/main" id="{3910229E-93BA-489E-9B3C-0B2A6AF9EF1C}"/>
+              </a:ext>
+            </a:extLst>
+          </p:cNvPr>
+          <p:cNvSpPr>
+            <a:spLocks noGrp="1"/>
+          </p:cNvSpPr>
+          <p:nvPr>
+            <p:ph type="title"/>
+          </p:nvPr>
+        </p:nvSpPr>
+        <p:spPr/>
+        <p:txBody>
+          <a:bodyPr/>
+          <a:lstStyle/>
+          <a:p>
+            <a:endParaRPr lang="en-US"/>
+          </a:p>
+        </p:txBody>
+      </p:sp>
+      <p:pic>
+        <p:nvPicPr>
+          <p:cNvPr id="5" name="Content Placeholder 4" descr="A screen shot of a dog&#10;&#10;Description automatically generated">
+            <a:extLst>
+              <a:ext uri="{FF2B5EF4-FFF2-40B4-BE49-F238E27FC236}">
+                <a16:creationId xmlns:a16="http://schemas.microsoft.com/office/drawing/2014/main" id="{0F245543-8AAC-4581-91B7-E2223A11A9DC}"/>
+              </a:ext>
+            </a:extLst>
+          </p:cNvPr>
+          <p:cNvPicPr>
+            <a:picLocks noGrp="1" noChangeAspect="1"/>
+          </p:cNvPicPr>
+          <p:nvPr>
+            <p:ph idx="1"/>
+          </p:nvPr>
+        </p:nvPicPr>
+        <p:blipFill>
+          <a:blip r:embed="rId3"/>
+          <a:stretch>
+            <a:fillRect/>
+          </a:stretch>
+        </p:blipFill>
+        <p:spPr>
+          <a:xfrm>
+            <a:off x="1545362" y="16021"/>
+            <a:ext cx="9101276" cy="6825958"/>
+          </a:xfrm>
+        </p:spPr>
+      </p:pic>
+    </p:spTree>
+    <p:extLst>
+      <p:ext uri="{BB962C8B-B14F-4D97-AF65-F5344CB8AC3E}">
+        <p14:creationId xmlns:p14="http://schemas.microsoft.com/office/powerpoint/2010/main" val="4072397509"/>
+      </p:ext>
+    </p:extLst>
+  </p:cSld>
+  <p:clrMapOvr>
+    <a:masterClrMapping/>
+  </p:clrMapOvr>
+</p:sld>
+</file>
+
+<file path=ppt/slides/slide6.xml><?xml version="1.0" encoding="utf-8"?>
+<p:sld xmlns:a="http://schemas.openxmlformats.org/drawingml/2006/main" xmlns:r="http://schemas.openxmlformats.org/officeDocument/2006/relationships" xmlns:p="http://schemas.openxmlformats.org/presentationml/2006/main">
+  <p:cSld>
+    <p:spTree>
+      <p:nvGrpSpPr>
+        <p:cNvPr id="1" name=""/>
+        <p:cNvGrpSpPr/>
+        <p:nvPr/>
+      </p:nvGrpSpPr>
+      <p:grpSpPr>
+        <a:xfrm>
+          <a:off x="0" y="0"/>
+          <a:ext cx="0" cy="0"/>
+          <a:chOff x="0" y="0"/>
+          <a:chExt cx="0" cy="0"/>
+        </a:xfrm>
+      </p:grpSpPr>
+      <p:sp>
+        <p:nvSpPr>
+          <p:cNvPr id="2" name="Title 1">
+            <a:extLst>
+              <a:ext uri="{FF2B5EF4-FFF2-40B4-BE49-F238E27FC236}">
+                <a16:creationId xmlns:a16="http://schemas.microsoft.com/office/drawing/2014/main" id="{0EBB95CD-D4DB-4E8C-AB5A-22E4ACC53959}"/>
+              </a:ext>
+            </a:extLst>
+          </p:cNvPr>
+          <p:cNvSpPr>
+            <a:spLocks noGrp="1"/>
+          </p:cNvSpPr>
+          <p:nvPr>
+            <p:ph type="title"/>
+          </p:nvPr>
+        </p:nvSpPr>
+        <p:spPr/>
+        <p:txBody>
+          <a:bodyPr/>
+          <a:lstStyle/>
+          <a:p>
+            <a:endParaRPr lang="en-US"/>
+          </a:p>
+        </p:txBody>
+      </p:sp>
+      <p:pic>
+        <p:nvPicPr>
+          <p:cNvPr id="9" name="Content Placeholder 8" descr="A close up of text on a white background&#10;&#10;Description automatically generated">
+            <a:extLst>
+              <a:ext uri="{FF2B5EF4-FFF2-40B4-BE49-F238E27FC236}">
+                <a16:creationId xmlns:a16="http://schemas.microsoft.com/office/drawing/2014/main" id="{33A17641-0926-4323-875C-86DD9ED1C813}"/>
+              </a:ext>
+            </a:extLst>
+          </p:cNvPr>
+          <p:cNvPicPr>
+            <a:picLocks noGrp="1" noChangeAspect="1"/>
+          </p:cNvPicPr>
+          <p:nvPr>
+            <p:ph idx="1"/>
+          </p:nvPr>
+        </p:nvPicPr>
+        <p:blipFill>
+          <a:blip r:embed="rId3"/>
+          <a:stretch>
+            <a:fillRect/>
+          </a:stretch>
+        </p:blipFill>
+        <p:spPr>
+          <a:xfrm>
+            <a:off x="1621924" y="632702"/>
+            <a:ext cx="8948152" cy="5592596"/>
+          </a:xfrm>
+        </p:spPr>
+      </p:pic>
+    </p:spTree>
+    <p:extLst>
+      <p:ext uri="{BB962C8B-B14F-4D97-AF65-F5344CB8AC3E}">
+        <p14:creationId xmlns:p14="http://schemas.microsoft.com/office/powerpoint/2010/main" val="3517861075"/>
+      </p:ext>
+    </p:extLst>
+  </p:cSld>
+  <p:clrMapOvr>
+    <a:masterClrMapping/>
+  </p:clrMapOvr>
+</p:sld>
+</file>
+
+<file path=ppt/slides/slide7.xml><?xml version="1.0" encoding="utf-8"?>
+<p:sld xmlns:a="http://schemas.openxmlformats.org/drawingml/2006/main" xmlns:r="http://schemas.openxmlformats.org/officeDocument/2006/relationships" xmlns:p="http://schemas.openxmlformats.org/presentationml/2006/main">
+  <p:cSld>
+    <p:spTree>
+      <p:nvGrpSpPr>
+        <p:cNvPr id="1" name=""/>
+        <p:cNvGrpSpPr/>
+        <p:nvPr/>
+      </p:nvGrpSpPr>
+      <p:grpSpPr>
+        <a:xfrm>
+          <a:off x="0" y="0"/>
+          <a:ext cx="0" cy="0"/>
+          <a:chOff x="0" y="0"/>
+          <a:chExt cx="0" cy="0"/>
+        </a:xfrm>
+      </p:grpSpPr>
+      <p:sp>
+        <p:nvSpPr>
+          <p:cNvPr id="2" name="Title 1">
+            <a:extLst>
+              <a:ext uri="{FF2B5EF4-FFF2-40B4-BE49-F238E27FC236}">
+                <a16:creationId xmlns:a16="http://schemas.microsoft.com/office/drawing/2014/main" id="{425A0AA1-E406-4ECD-978A-418AB0BC2649}"/>
+              </a:ext>
+            </a:extLst>
+          </p:cNvPr>
+          <p:cNvSpPr>
+            <a:spLocks noGrp="1"/>
+          </p:cNvSpPr>
+          <p:nvPr>
+            <p:ph type="ctrTitle"/>
+          </p:nvPr>
+        </p:nvSpPr>
+        <p:spPr>
+          <a:xfrm>
+            <a:off x="1371600" y="1803405"/>
+            <a:ext cx="10234246" cy="1825096"/>
+          </a:xfrm>
+        </p:spPr>
+        <p:txBody>
+          <a:bodyPr/>
+          <a:lstStyle/>
+          <a:p>
+            <a:r>
+              <a:rPr lang="en-US" dirty="0"/>
+              <a:t>PRACTICAL REFACTORING</a:t>
+            </a:r>
+          </a:p>
+        </p:txBody>
+      </p:sp>
+      <p:sp>
+        <p:nvSpPr>
+          <p:cNvPr id="3" name="Subtitle 2">
+            <a:extLst>
+              <a:ext uri="{FF2B5EF4-FFF2-40B4-BE49-F238E27FC236}">
+                <a16:creationId xmlns:a16="http://schemas.microsoft.com/office/drawing/2014/main" id="{5EB833E6-A4A8-44BB-9EB9-8E4F8844248D}"/>
+              </a:ext>
+            </a:extLst>
+          </p:cNvPr>
+          <p:cNvSpPr>
+            <a:spLocks noGrp="1"/>
+          </p:cNvSpPr>
+          <p:nvPr>
+            <p:ph type="subTitle" idx="1"/>
+          </p:nvPr>
+        </p:nvSpPr>
+        <p:spPr>
+          <a:xfrm>
+            <a:off x="1371600" y="3632200"/>
+            <a:ext cx="9448800" cy="1502507"/>
+          </a:xfrm>
+        </p:spPr>
+        <p:txBody>
+          <a:bodyPr>
+            <a:normAutofit/>
+          </a:bodyPr>
+          <a:lstStyle/>
+          <a:p>
+            <a:r>
+              <a:rPr lang="en-US" sz="2800" dirty="0"/>
+              <a:t>Patrick Szalapski</a:t>
+            </a:r>
+          </a:p>
+          <a:p>
+            <a:r>
+              <a:rPr lang="en-US" sz="2800" dirty="0"/>
+              <a:t>@Szalapski | szalapski.com</a:t>
+            </a:r>
+          </a:p>
+        </p:txBody>
+      </p:sp>
+    </p:spTree>
+    <p:extLst>
+      <p:ext uri="{BB962C8B-B14F-4D97-AF65-F5344CB8AC3E}">
+        <p14:creationId xmlns:p14="http://schemas.microsoft.com/office/powerpoint/2010/main" val="3001919675"/>
+      </p:ext>
+    </p:extLst>
+  </p:cSld>
+  <p:clrMapOvr>
+    <a:masterClrMapping/>
+  </p:clrMapOvr>
+</p:sld>
+</file>
+
+<file path=ppt/slides/slide8.xml><?xml version="1.0" encoding="utf-8"?>
+<p:sld xmlns:a="http://schemas.openxmlformats.org/drawingml/2006/main" xmlns:r="http://schemas.openxmlformats.org/officeDocument/2006/relationships" xmlns:p="http://schemas.openxmlformats.org/presentationml/2006/main">
+  <p:cSld>
+    <p:spTree>
+      <p:nvGrpSpPr>
+        <p:cNvPr id="1" name=""/>
+        <p:cNvGrpSpPr/>
+        <p:nvPr/>
+      </p:nvGrpSpPr>
+      <p:grpSpPr>
+        <a:xfrm>
+          <a:off x="0" y="0"/>
+          <a:ext cx="0" cy="0"/>
+          <a:chOff x="0" y="0"/>
+          <a:chExt cx="0" cy="0"/>
+        </a:xfrm>
+      </p:grpSpPr>
+      <p:sp>
+        <p:nvSpPr>
+          <p:cNvPr id="3" name="Content Placeholder 2">
+            <a:extLst>
+              <a:ext uri="{FF2B5EF4-FFF2-40B4-BE49-F238E27FC236}">
+                <a16:creationId xmlns:a16="http://schemas.microsoft.com/office/drawing/2014/main" id="{D8C72433-D559-407B-BBE6-931109BBD8E6}"/>
+              </a:ext>
+            </a:extLst>
+          </p:cNvPr>
+          <p:cNvSpPr>
+            <a:spLocks noGrp="1"/>
+          </p:cNvSpPr>
+          <p:nvPr>
+            <p:ph idx="1"/>
+          </p:nvPr>
+        </p:nvSpPr>
+        <p:spPr>
+          <a:xfrm>
+            <a:off x="388620" y="1607233"/>
+            <a:ext cx="11327130" cy="1664872"/>
+          </a:xfrm>
+        </p:spPr>
+        <p:txBody>
+          <a:bodyPr>
+            <a:normAutofit/>
+          </a:bodyPr>
+          <a:lstStyle/>
+          <a:p>
+            <a:pPr marL="0" indent="0" algn="ctr">
+              <a:buNone/>
+            </a:pPr>
+            <a:r>
+              <a:rPr lang="en-US" sz="4800" dirty="0"/>
+              <a:t>To </a:t>
+            </a:r>
+            <a:r>
+              <a:rPr lang="en-US" sz="4800" b="1" dirty="0"/>
+              <a:t>refactor</a:t>
+            </a:r>
+            <a:r>
+              <a:rPr lang="en-US" sz="4800" dirty="0"/>
+              <a:t> is to make code better without changing its behavior</a:t>
+            </a:r>
+          </a:p>
+        </p:txBody>
+      </p:sp>
+      <p:sp>
+        <p:nvSpPr>
+          <p:cNvPr id="12" name="TextBox 11">
+            <a:extLst>
+              <a:ext uri="{FF2B5EF4-FFF2-40B4-BE49-F238E27FC236}">
+                <a16:creationId xmlns:a16="http://schemas.microsoft.com/office/drawing/2014/main" id="{4BC0D16E-33E3-46A4-A769-2B2D5C935F19}"/>
+              </a:ext>
+            </a:extLst>
+          </p:cNvPr>
+          <p:cNvSpPr txBox="1"/>
+          <p:nvPr/>
+        </p:nvSpPr>
+        <p:spPr>
+          <a:xfrm>
+            <a:off x="6737683" y="4127316"/>
+            <a:ext cx="4439653" cy="1569660"/>
+          </a:xfrm>
+          <a:prstGeom prst="rect">
+            <a:avLst/>
+          </a:prstGeom>
+          <a:noFill/>
+        </p:spPr>
+        <p:txBody>
+          <a:bodyPr wrap="square" rtlCol="0">
+            <a:spAutoFit/>
+          </a:bodyPr>
+          <a:lstStyle/>
+          <a:p>
+            <a:pPr algn="r"/>
+            <a:r>
+              <a:rPr lang="en-US" sz="2400" b="1" dirty="0"/>
+              <a:t>Behavior</a:t>
+            </a:r>
+            <a:r>
+              <a:rPr lang="en-US" sz="2400" dirty="0"/>
+              <a:t> usually means output or side effects</a:t>
+            </a:r>
+          </a:p>
+          <a:p>
+            <a:pPr algn="r"/>
+            <a:r>
+              <a:rPr lang="en-US" sz="2400" dirty="0"/>
+              <a:t>but also could be performance or resource</a:t>
+            </a:r>
+          </a:p>
+        </p:txBody>
+      </p:sp>
+      <p:pic>
+        <p:nvPicPr>
+          <p:cNvPr id="4" name="Content Placeholder 8" descr="A close up of text on a white background&#10;&#10;Description automatically generated">
+            <a:extLst>
+              <a:ext uri="{FF2B5EF4-FFF2-40B4-BE49-F238E27FC236}">
+                <a16:creationId xmlns:a16="http://schemas.microsoft.com/office/drawing/2014/main" id="{F909B1FC-3CA4-4163-B3A1-BD26CF0F882D}"/>
+              </a:ext>
+            </a:extLst>
+          </p:cNvPr>
+          <p:cNvPicPr>
+            <a:picLocks noChangeAspect="1"/>
+          </p:cNvPicPr>
+          <p:nvPr/>
+        </p:nvPicPr>
+        <p:blipFill>
+          <a:blip r:embed="rId2"/>
+          <a:stretch>
+            <a:fillRect/>
+          </a:stretch>
+        </p:blipFill>
+        <p:spPr>
+          <a:xfrm>
+            <a:off x="238293" y="3458751"/>
+            <a:ext cx="5055602" cy="3159752"/>
+          </a:xfrm>
+          <a:prstGeom prst="rect">
+            <a:avLst/>
+          </a:prstGeom>
+        </p:spPr>
+      </p:pic>
+    </p:spTree>
+    <p:extLst>
+      <p:ext uri="{BB962C8B-B14F-4D97-AF65-F5344CB8AC3E}">
+        <p14:creationId xmlns:p14="http://schemas.microsoft.com/office/powerpoint/2010/main" val="657785876"/>
+      </p:ext>
+    </p:extLst>
+  </p:cSld>
+  <p:clrMapOvr>
+    <a:masterClrMapping/>
+  </p:clrMapOvr>
+</p:sld>
+</file>
+
+<file path=ppt/slides/slide9.xml><?xml version="1.0" encoding="utf-8"?>
+<p:sld xmlns:a="http://schemas.openxmlformats.org/drawingml/2006/main" xmlns:r="http://schemas.openxmlformats.org/officeDocument/2006/relationships" xmlns:p="http://schemas.openxmlformats.org/presentationml/2006/main">
+  <p:cSld>
+    <p:spTree>
+      <p:nvGrpSpPr>
+        <p:cNvPr id="1" name=""/>
+        <p:cNvGrpSpPr/>
+        <p:nvPr/>
+      </p:nvGrpSpPr>
+      <p:grpSpPr>
+        <a:xfrm>
+          <a:off x="0" y="0"/>
+          <a:ext cx="0" cy="0"/>
+          <a:chOff x="0" y="0"/>
+          <a:chExt cx="0" cy="0"/>
+        </a:xfrm>
+      </p:grpSpPr>
+      <p:sp>
+        <p:nvSpPr>
+          <p:cNvPr id="3" name="Content Placeholder 2">
+            <a:extLst>
+              <a:ext uri="{FF2B5EF4-FFF2-40B4-BE49-F238E27FC236}">
+                <a16:creationId xmlns:a16="http://schemas.microsoft.com/office/drawing/2014/main" id="{D8C72433-D559-407B-BBE6-931109BBD8E6}"/>
+              </a:ext>
+            </a:extLst>
+          </p:cNvPr>
+          <p:cNvSpPr>
+            <a:spLocks noGrp="1"/>
+          </p:cNvSpPr>
+          <p:nvPr>
+            <p:ph idx="1"/>
+          </p:nvPr>
+        </p:nvSpPr>
+        <p:spPr>
+          <a:xfrm>
+            <a:off x="388620" y="1607233"/>
+            <a:ext cx="11327130" cy="1627457"/>
+          </a:xfrm>
+        </p:spPr>
+        <p:txBody>
+          <a:bodyPr>
+            <a:normAutofit/>
+          </a:bodyPr>
+          <a:lstStyle/>
+          <a:p>
+            <a:pPr marL="0" indent="0" algn="ctr">
+              <a:buNone/>
+            </a:pPr>
+            <a:r>
+              <a:rPr lang="en-US" sz="4800" dirty="0"/>
+              <a:t>The main benefit of refactoring is increased </a:t>
+            </a:r>
+            <a:r>
+              <a:rPr lang="en-US" sz="4800" b="1" dirty="0"/>
+              <a:t>maintainability</a:t>
+            </a:r>
+          </a:p>
+        </p:txBody>
+      </p:sp>
+      <p:sp>
+        <p:nvSpPr>
+          <p:cNvPr id="12" name="TextBox 11">
+            <a:extLst>
+              <a:ext uri="{FF2B5EF4-FFF2-40B4-BE49-F238E27FC236}">
+                <a16:creationId xmlns:a16="http://schemas.microsoft.com/office/drawing/2014/main" id="{4BC0D16E-33E3-46A4-A769-2B2D5C935F19}"/>
+              </a:ext>
+            </a:extLst>
+          </p:cNvPr>
+          <p:cNvSpPr txBox="1"/>
+          <p:nvPr/>
+        </p:nvSpPr>
+        <p:spPr>
+          <a:xfrm>
+            <a:off x="6286065" y="3906053"/>
+            <a:ext cx="4729180" cy="1815882"/>
+          </a:xfrm>
+          <a:prstGeom prst="rect">
+            <a:avLst/>
+          </a:prstGeom>
+          <a:noFill/>
+        </p:spPr>
+        <p:txBody>
+          <a:bodyPr wrap="none" rtlCol="0">
+            <a:spAutoFit/>
+          </a:bodyPr>
+          <a:lstStyle/>
+          <a:p>
+            <a:pPr algn="r"/>
+            <a:r>
+              <a:rPr lang="en-US" sz="2800" dirty="0"/>
+              <a:t>The best code to refactor </a:t>
+            </a:r>
+          </a:p>
+          <a:p>
+            <a:pPr algn="r"/>
+            <a:r>
+              <a:rPr lang="en-US" sz="2800" dirty="0"/>
+              <a:t>is the code you’re </a:t>
+            </a:r>
+          </a:p>
+          <a:p>
+            <a:pPr algn="r"/>
+            <a:r>
+              <a:rPr lang="en-US" sz="2800" dirty="0"/>
+              <a:t>most likely to work with</a:t>
+            </a:r>
+            <a:br>
+              <a:rPr lang="en-US" sz="2800" dirty="0"/>
+            </a:br>
+            <a:r>
+              <a:rPr lang="en-US" sz="2800" dirty="0"/>
+              <a:t>the most often</a:t>
+            </a:r>
+          </a:p>
+        </p:txBody>
+      </p:sp>
+    </p:spTree>
+    <p:extLst>
+      <p:ext uri="{BB962C8B-B14F-4D97-AF65-F5344CB8AC3E}">
+        <p14:creationId xmlns:p14="http://schemas.microsoft.com/office/powerpoint/2010/main" val="1076625757"/>
       </p:ext>
     </p:extLst>
   </p:cSld>
